--- a/samples/introduction/introduction.pptx
+++ b/samples/introduction/introduction.pptx
@@ -5,12 +5,20 @@
     <p:sldMasterId id="2147483648" r:id="rId1"/>
   </p:sldMasterIdLst>
   <p:notesMasterIdLst>
-    <p:notesMasterId r:id="rId5"/>
+    <p:notesMasterId r:id="rId13"/>
   </p:notesMasterIdLst>
   <p:sldIdLst>
     <p:sldId id="256" r:id="rId2"/>
     <p:sldId id="257" r:id="rId3"/>
     <p:sldId id="258" r:id="rId4"/>
+    <p:sldId id="259" r:id="rId5"/>
+    <p:sldId id="260" r:id="rId6"/>
+    <p:sldId id="261" r:id="rId7"/>
+    <p:sldId id="262" r:id="rId8"/>
+    <p:sldId id="263" r:id="rId9"/>
+    <p:sldId id="264" r:id="rId10"/>
+    <p:sldId id="265" r:id="rId11"/>
+    <p:sldId id="266" r:id="rId12"/>
   </p:sldIdLst>
   <p:sldSz cx="12192000" cy="6858000"/>
   <p:notesSz cx="6858000" cy="9144000"/>
@@ -109,6 +117,11 @@
       </a:defRPr>
     </a:lvl9pPr>
   </p:defaultTextStyle>
+  <p:extLst>
+    <p:ext uri="{EFAFB233-063F-42B5-8137-9DF3F51BA10A}">
+      <p15:sldGuideLst xmlns:p15="http://schemas.microsoft.com/office/powerpoint/2012/main"/>
+    </p:ext>
+  </p:extLst>
 </p:presentation>
 </file>
 
@@ -194,7 +207,7 @@
           <a:p>
             <a:fld id="{5650D6A2-BC0E-4864-8504-B86B75B2D013}" type="datetimeFigureOut">
               <a:rPr kumimoji="1" lang="ja-JP" altLang="en-US" smtClean="0"/>
-              <a:t>2024/4/17</a:t>
+              <a:t>2024/5/12</a:t>
             </a:fld>
             <a:endParaRPr kumimoji="1" lang="ja-JP" altLang="en-US"/>
           </a:p>
@@ -587,6 +600,228 @@
 </p:notes>
 </file>
 
+<file path=ppt/notesSlides/notesSlide10.xml><?xml version="1.0" encoding="utf-8"?>
+<p:notes xmlns:a="http://schemas.openxmlformats.org/drawingml/2006/main" xmlns:r="http://schemas.openxmlformats.org/officeDocument/2006/relationships" xmlns:p="http://schemas.openxmlformats.org/presentationml/2006/main">
+  <p:cSld>
+    <p:spTree>
+      <p:nvGrpSpPr>
+        <p:cNvPr id="1" name=""/>
+        <p:cNvGrpSpPr/>
+        <p:nvPr/>
+      </p:nvGrpSpPr>
+      <p:grpSpPr>
+        <a:xfrm>
+          <a:off x="0" y="0"/>
+          <a:ext cx="0" cy="0"/>
+          <a:chOff x="0" y="0"/>
+          <a:chExt cx="0" cy="0"/>
+        </a:xfrm>
+      </p:grpSpPr>
+      <p:sp>
+        <p:nvSpPr>
+          <p:cNvPr id="2" name="スライド イメージ プレースホルダー 1"/>
+          <p:cNvSpPr>
+            <a:spLocks noGrp="1" noRot="1" noChangeAspect="1"/>
+          </p:cNvSpPr>
+          <p:nvPr>
+            <p:ph type="sldImg"/>
+          </p:nvPr>
+        </p:nvSpPr>
+        <p:spPr/>
+      </p:sp>
+      <p:sp>
+        <p:nvSpPr>
+          <p:cNvPr id="3" name="ノート プレースホルダー 2"/>
+          <p:cNvSpPr>
+            <a:spLocks noGrp="1"/>
+          </p:cNvSpPr>
+          <p:nvPr>
+            <p:ph type="body" idx="1"/>
+          </p:nvPr>
+        </p:nvSpPr>
+        <p:spPr/>
+        <p:txBody>
+          <a:bodyPr/>
+          <a:lstStyle/>
+          <a:p>
+            <a:pPr marL="0" marR="0" lvl="0" indent="0" algn="l" defTabSz="914400" rtl="0" eaLnBrk="1" fontAlgn="auto" latinLnBrk="0" hangingPunct="1">
+              <a:lnSpc>
+                <a:spcPct val="100000"/>
+              </a:lnSpc>
+              <a:spcBef>
+                <a:spcPts val="0"/>
+              </a:spcBef>
+              <a:spcAft>
+                <a:spcPts val="0"/>
+              </a:spcAft>
+              <a:buClrTx/>
+              <a:buSzTx/>
+              <a:buFontTx/>
+              <a:buNone/>
+              <a:tabLst/>
+              <a:defRPr/>
+            </a:pPr>
+            <a:r>
+              <a:rPr kumimoji="1" lang="ja-JP" altLang="en-US" dirty="0"/>
+              <a:t>これはスライド３です</a:t>
+            </a:r>
+          </a:p>
+          <a:p>
+            <a:r>
+              <a:rPr kumimoji="1" lang="ja-JP" altLang="en-US"/>
+              <a:t>さしすせそ</a:t>
+            </a:r>
+            <a:endParaRPr kumimoji="1" lang="ja-JP" altLang="en-US" dirty="0"/>
+          </a:p>
+        </p:txBody>
+      </p:sp>
+      <p:sp>
+        <p:nvSpPr>
+          <p:cNvPr id="4" name="スライド番号プレースホルダー 3"/>
+          <p:cNvSpPr>
+            <a:spLocks noGrp="1"/>
+          </p:cNvSpPr>
+          <p:nvPr>
+            <p:ph type="sldNum" sz="quarter" idx="5"/>
+          </p:nvPr>
+        </p:nvSpPr>
+        <p:spPr/>
+        <p:txBody>
+          <a:bodyPr/>
+          <a:lstStyle/>
+          <a:p>
+            <a:fld id="{43728522-7CE0-4C0B-865D-228E03B84B85}" type="slidenum">
+              <a:rPr kumimoji="1" lang="ja-JP" altLang="en-US" smtClean="0"/>
+              <a:t>10</a:t>
+            </a:fld>
+            <a:endParaRPr kumimoji="1" lang="ja-JP" altLang="en-US"/>
+          </a:p>
+        </p:txBody>
+      </p:sp>
+    </p:spTree>
+    <p:extLst>
+      <p:ext uri="{BB962C8B-B14F-4D97-AF65-F5344CB8AC3E}">
+        <p14:creationId xmlns:p14="http://schemas.microsoft.com/office/powerpoint/2010/main" val="3447740316"/>
+      </p:ext>
+    </p:extLst>
+  </p:cSld>
+  <p:clrMapOvr>
+    <a:masterClrMapping/>
+  </p:clrMapOvr>
+</p:notes>
+</file>
+
+<file path=ppt/notesSlides/notesSlide11.xml><?xml version="1.0" encoding="utf-8"?>
+<p:notes xmlns:a="http://schemas.openxmlformats.org/drawingml/2006/main" xmlns:r="http://schemas.openxmlformats.org/officeDocument/2006/relationships" xmlns:p="http://schemas.openxmlformats.org/presentationml/2006/main">
+  <p:cSld>
+    <p:spTree>
+      <p:nvGrpSpPr>
+        <p:cNvPr id="1" name=""/>
+        <p:cNvGrpSpPr/>
+        <p:nvPr/>
+      </p:nvGrpSpPr>
+      <p:grpSpPr>
+        <a:xfrm>
+          <a:off x="0" y="0"/>
+          <a:ext cx="0" cy="0"/>
+          <a:chOff x="0" y="0"/>
+          <a:chExt cx="0" cy="0"/>
+        </a:xfrm>
+      </p:grpSpPr>
+      <p:sp>
+        <p:nvSpPr>
+          <p:cNvPr id="2" name="スライド イメージ プレースホルダー 1"/>
+          <p:cNvSpPr>
+            <a:spLocks noGrp="1" noRot="1" noChangeAspect="1"/>
+          </p:cNvSpPr>
+          <p:nvPr>
+            <p:ph type="sldImg"/>
+          </p:nvPr>
+        </p:nvSpPr>
+        <p:spPr/>
+      </p:sp>
+      <p:sp>
+        <p:nvSpPr>
+          <p:cNvPr id="3" name="ノート プレースホルダー 2"/>
+          <p:cNvSpPr>
+            <a:spLocks noGrp="1"/>
+          </p:cNvSpPr>
+          <p:nvPr>
+            <p:ph type="body" idx="1"/>
+          </p:nvPr>
+        </p:nvSpPr>
+        <p:spPr/>
+        <p:txBody>
+          <a:bodyPr/>
+          <a:lstStyle/>
+          <a:p>
+            <a:pPr marL="0" marR="0" lvl="0" indent="0" algn="l" defTabSz="914400" rtl="0" eaLnBrk="1" fontAlgn="auto" latinLnBrk="0" hangingPunct="1">
+              <a:lnSpc>
+                <a:spcPct val="100000"/>
+              </a:lnSpc>
+              <a:spcBef>
+                <a:spcPts val="0"/>
+              </a:spcBef>
+              <a:spcAft>
+                <a:spcPts val="0"/>
+              </a:spcAft>
+              <a:buClrTx/>
+              <a:buSzTx/>
+              <a:buFontTx/>
+              <a:buNone/>
+              <a:tabLst/>
+              <a:defRPr/>
+            </a:pPr>
+            <a:r>
+              <a:rPr kumimoji="1" lang="ja-JP" altLang="en-US" dirty="0"/>
+              <a:t>これはスライド３です</a:t>
+            </a:r>
+          </a:p>
+          <a:p>
+            <a:r>
+              <a:rPr kumimoji="1" lang="ja-JP" altLang="en-US"/>
+              <a:t>さしすせそ</a:t>
+            </a:r>
+            <a:endParaRPr kumimoji="1" lang="ja-JP" altLang="en-US" dirty="0"/>
+          </a:p>
+        </p:txBody>
+      </p:sp>
+      <p:sp>
+        <p:nvSpPr>
+          <p:cNvPr id="4" name="スライド番号プレースホルダー 3"/>
+          <p:cNvSpPr>
+            <a:spLocks noGrp="1"/>
+          </p:cNvSpPr>
+          <p:nvPr>
+            <p:ph type="sldNum" sz="quarter" idx="5"/>
+          </p:nvPr>
+        </p:nvSpPr>
+        <p:spPr/>
+        <p:txBody>
+          <a:bodyPr/>
+          <a:lstStyle/>
+          <a:p>
+            <a:fld id="{43728522-7CE0-4C0B-865D-228E03B84B85}" type="slidenum">
+              <a:rPr kumimoji="1" lang="ja-JP" altLang="en-US" smtClean="0"/>
+              <a:t>11</a:t>
+            </a:fld>
+            <a:endParaRPr kumimoji="1" lang="ja-JP" altLang="en-US"/>
+          </a:p>
+        </p:txBody>
+      </p:sp>
+    </p:spTree>
+    <p:extLst>
+      <p:ext uri="{BB962C8B-B14F-4D97-AF65-F5344CB8AC3E}">
+        <p14:creationId xmlns:p14="http://schemas.microsoft.com/office/powerpoint/2010/main" val="3261383749"/>
+      </p:ext>
+    </p:extLst>
+  </p:cSld>
+  <p:clrMapOvr>
+    <a:masterClrMapping/>
+  </p:clrMapOvr>
+</p:notes>
+</file>
+
 <file path=ppt/notesSlides/notesSlide2.xml><?xml version="1.0" encoding="utf-8"?>
 <p:notes xmlns:a="http://schemas.openxmlformats.org/drawingml/2006/main" xmlns:r="http://schemas.openxmlformats.org/officeDocument/2006/relationships" xmlns:p="http://schemas.openxmlformats.org/presentationml/2006/main">
   <p:cSld>
@@ -632,16 +867,102 @@
           <a:lstStyle/>
           <a:p>
             <a:r>
-              <a:rPr kumimoji="1" lang="ja-JP" altLang="en-US" dirty="0"/>
-              <a:t>これはスライド２です</a:t>
-            </a:r>
-            <a:endParaRPr kumimoji="1" lang="en-US" altLang="ja-JP" dirty="0"/>
-          </a:p>
-          <a:p>
-            <a:r>
-              <a:rPr kumimoji="1" lang="ja-JP" altLang="en-US" dirty="0"/>
-              <a:t>かきくけこ</a:t>
-            </a:r>
+              <a:rPr kumimoji="1" lang="en-US" altLang="ja-JP" dirty="0" smtClean="0"/>
+              <a:t>&lt;</a:t>
+            </a:r>
+            <a:r>
+              <a:rPr kumimoji="1" lang="en-US" altLang="ja-JP" dirty="0" err="1" smtClean="0"/>
+              <a:t>speaker:speed</a:t>
+            </a:r>
+            <a:r>
+              <a:rPr kumimoji="1" lang="en-US" altLang="ja-JP" dirty="0" smtClean="0"/>
+              <a:t>=2&gt;</a:t>
+            </a:r>
+            <a:r>
+              <a:rPr kumimoji="1" lang="ja-JP" altLang="en-US" dirty="0" smtClean="0"/>
+              <a:t>二番速です</a:t>
+            </a:r>
+            <a:endParaRPr kumimoji="1" lang="en-US" altLang="ja-JP" dirty="0" smtClean="0"/>
+          </a:p>
+          <a:p>
+            <a:pPr marL="0" marR="0" lvl="0" indent="0" algn="l" defTabSz="914400" rtl="0" eaLnBrk="1" fontAlgn="auto" latinLnBrk="0" hangingPunct="1">
+              <a:lnSpc>
+                <a:spcPct val="100000"/>
+              </a:lnSpc>
+              <a:spcBef>
+                <a:spcPts val="0"/>
+              </a:spcBef>
+              <a:spcAft>
+                <a:spcPts val="0"/>
+              </a:spcAft>
+              <a:buClrTx/>
+              <a:buSzTx/>
+              <a:buFontTx/>
+              <a:buNone/>
+              <a:tabLst/>
+              <a:defRPr/>
+            </a:pPr>
+            <a:r>
+              <a:rPr kumimoji="1" lang="en-US" altLang="ja-JP" dirty="0" smtClean="0"/>
+              <a:t>&lt;</a:t>
+            </a:r>
+            <a:r>
+              <a:rPr kumimoji="1" lang="en-US" altLang="ja-JP" dirty="0" err="1" smtClean="0"/>
+              <a:t>speaker:id</a:t>
+            </a:r>
+            <a:r>
+              <a:rPr kumimoji="1" lang="en-US" altLang="ja-JP" dirty="0" smtClean="0"/>
+              <a:t>=27&gt;id=1</a:t>
+            </a:r>
+            <a:r>
+              <a:rPr kumimoji="1" lang="ja-JP" altLang="en-US" dirty="0" err="1" smtClean="0"/>
+              <a:t>です</a:t>
+            </a:r>
+            <a:endParaRPr kumimoji="1" lang="en-US" altLang="ja-JP" dirty="0" smtClean="0"/>
+          </a:p>
+          <a:p>
+            <a:pPr marL="0" marR="0" lvl="0" indent="0" algn="l" defTabSz="914400" rtl="0" eaLnBrk="1" fontAlgn="auto" latinLnBrk="0" hangingPunct="1">
+              <a:lnSpc>
+                <a:spcPct val="100000"/>
+              </a:lnSpc>
+              <a:spcBef>
+                <a:spcPts val="0"/>
+              </a:spcBef>
+              <a:spcAft>
+                <a:spcPts val="0"/>
+              </a:spcAft>
+              <a:buClrTx/>
+              <a:buSzTx/>
+              <a:buFontTx/>
+              <a:buNone/>
+              <a:tabLst/>
+              <a:defRPr/>
+            </a:pPr>
+            <a:r>
+              <a:rPr kumimoji="1" lang="en-US" altLang="ja-JP" dirty="0" smtClean="0"/>
+              <a:t>&lt;</a:t>
+            </a:r>
+            <a:r>
+              <a:rPr kumimoji="1" lang="en-US" altLang="ja-JP" dirty="0" err="1" smtClean="0"/>
+              <a:t>speaker:id</a:t>
+            </a:r>
+            <a:r>
+              <a:rPr kumimoji="1" lang="en-US" altLang="ja-JP" smtClean="0"/>
+              <a:t>=22, </a:t>
+            </a:r>
+            <a:r>
+              <a:rPr kumimoji="1" lang="en-US" altLang="ja-JP" dirty="0" smtClean="0"/>
+              <a:t>speed=0.5&gt;</a:t>
+            </a:r>
+            <a:r>
+              <a:rPr kumimoji="1" lang="ja-JP" altLang="en-US" baseline="0" dirty="0" smtClean="0"/>
+              <a:t>あいうえ</a:t>
+            </a:r>
+            <a:r>
+              <a:rPr kumimoji="1" lang="ja-JP" altLang="en-US" baseline="0" dirty="0" err="1" smtClean="0"/>
+              <a:t>お</a:t>
+            </a:r>
+            <a:endParaRPr kumimoji="1" lang="ja-JP" altLang="en-US" dirty="0"/>
           </a:p>
         </p:txBody>
       </p:sp>
@@ -743,14 +1064,16 @@
               <a:defRPr/>
             </a:pPr>
             <a:r>
-              <a:rPr kumimoji="1" lang="ja-JP" altLang="en-US" dirty="0"/>
-              <a:t>これはスライド３です</a:t>
-            </a:r>
-          </a:p>
-          <a:p>
-            <a:r>
-              <a:rPr kumimoji="1" lang="ja-JP" altLang="en-US"/>
-              <a:t>さしすせそ</a:t>
+              <a:rPr kumimoji="1" lang="en-US" altLang="ja-JP" dirty="0" smtClean="0"/>
+              <a:t>&lt;</a:t>
+            </a:r>
+            <a:r>
+              <a:rPr kumimoji="1" lang="en-US" altLang="ja-JP" dirty="0" err="1" smtClean="0"/>
+              <a:t>video:test.mkv</a:t>
+            </a:r>
+            <a:r>
+              <a:rPr kumimoji="1" lang="en-US" altLang="ja-JP" dirty="0" smtClean="0"/>
+              <a:t>&gt;</a:t>
             </a:r>
             <a:endParaRPr kumimoji="1" lang="ja-JP" altLang="en-US" dirty="0"/>
           </a:p>
@@ -783,6 +1106,672 @@
     <p:extLst>
       <p:ext uri="{BB962C8B-B14F-4D97-AF65-F5344CB8AC3E}">
         <p14:creationId xmlns:p14="http://schemas.microsoft.com/office/powerpoint/2010/main" val="3211900146"/>
+      </p:ext>
+    </p:extLst>
+  </p:cSld>
+  <p:clrMapOvr>
+    <a:masterClrMapping/>
+  </p:clrMapOvr>
+</p:notes>
+</file>
+
+<file path=ppt/notesSlides/notesSlide4.xml><?xml version="1.0" encoding="utf-8"?>
+<p:notes xmlns:a="http://schemas.openxmlformats.org/drawingml/2006/main" xmlns:r="http://schemas.openxmlformats.org/officeDocument/2006/relationships" xmlns:p="http://schemas.openxmlformats.org/presentationml/2006/main">
+  <p:cSld>
+    <p:spTree>
+      <p:nvGrpSpPr>
+        <p:cNvPr id="1" name=""/>
+        <p:cNvGrpSpPr/>
+        <p:nvPr/>
+      </p:nvGrpSpPr>
+      <p:grpSpPr>
+        <a:xfrm>
+          <a:off x="0" y="0"/>
+          <a:ext cx="0" cy="0"/>
+          <a:chOff x="0" y="0"/>
+          <a:chExt cx="0" cy="0"/>
+        </a:xfrm>
+      </p:grpSpPr>
+      <p:sp>
+        <p:nvSpPr>
+          <p:cNvPr id="2" name="スライド イメージ プレースホルダー 1"/>
+          <p:cNvSpPr>
+            <a:spLocks noGrp="1" noRot="1" noChangeAspect="1"/>
+          </p:cNvSpPr>
+          <p:nvPr>
+            <p:ph type="sldImg"/>
+          </p:nvPr>
+        </p:nvSpPr>
+        <p:spPr/>
+      </p:sp>
+      <p:sp>
+        <p:nvSpPr>
+          <p:cNvPr id="3" name="ノート プレースホルダー 2"/>
+          <p:cNvSpPr>
+            <a:spLocks noGrp="1"/>
+          </p:cNvSpPr>
+          <p:nvPr>
+            <p:ph type="body" idx="1"/>
+          </p:nvPr>
+        </p:nvSpPr>
+        <p:spPr/>
+        <p:txBody>
+          <a:bodyPr/>
+          <a:lstStyle/>
+          <a:p>
+            <a:pPr marL="0" marR="0" lvl="0" indent="0" algn="l" defTabSz="914400" rtl="0" eaLnBrk="1" fontAlgn="auto" latinLnBrk="0" hangingPunct="1">
+              <a:lnSpc>
+                <a:spcPct val="100000"/>
+              </a:lnSpc>
+              <a:spcBef>
+                <a:spcPts val="0"/>
+              </a:spcBef>
+              <a:spcAft>
+                <a:spcPts val="0"/>
+              </a:spcAft>
+              <a:buClrTx/>
+              <a:buSzTx/>
+              <a:buFontTx/>
+              <a:buNone/>
+              <a:tabLst/>
+              <a:defRPr/>
+            </a:pPr>
+            <a:r>
+              <a:rPr kumimoji="1" lang="ja-JP" altLang="en-US" dirty="0"/>
+              <a:t>これはスライド３です</a:t>
+            </a:r>
+          </a:p>
+          <a:p>
+            <a:r>
+              <a:rPr kumimoji="1" lang="ja-JP" altLang="en-US"/>
+              <a:t>さしすせそ</a:t>
+            </a:r>
+            <a:endParaRPr kumimoji="1" lang="ja-JP" altLang="en-US" dirty="0"/>
+          </a:p>
+        </p:txBody>
+      </p:sp>
+      <p:sp>
+        <p:nvSpPr>
+          <p:cNvPr id="4" name="スライド番号プレースホルダー 3"/>
+          <p:cNvSpPr>
+            <a:spLocks noGrp="1"/>
+          </p:cNvSpPr>
+          <p:nvPr>
+            <p:ph type="sldNum" sz="quarter" idx="5"/>
+          </p:nvPr>
+        </p:nvSpPr>
+        <p:spPr/>
+        <p:txBody>
+          <a:bodyPr/>
+          <a:lstStyle/>
+          <a:p>
+            <a:fld id="{43728522-7CE0-4C0B-865D-228E03B84B85}" type="slidenum">
+              <a:rPr kumimoji="1" lang="ja-JP" altLang="en-US" smtClean="0"/>
+              <a:t>4</a:t>
+            </a:fld>
+            <a:endParaRPr kumimoji="1" lang="ja-JP" altLang="en-US"/>
+          </a:p>
+        </p:txBody>
+      </p:sp>
+    </p:spTree>
+    <p:extLst>
+      <p:ext uri="{BB962C8B-B14F-4D97-AF65-F5344CB8AC3E}">
+        <p14:creationId xmlns:p14="http://schemas.microsoft.com/office/powerpoint/2010/main" val="2425058195"/>
+      </p:ext>
+    </p:extLst>
+  </p:cSld>
+  <p:clrMapOvr>
+    <a:masterClrMapping/>
+  </p:clrMapOvr>
+</p:notes>
+</file>
+
+<file path=ppt/notesSlides/notesSlide5.xml><?xml version="1.0" encoding="utf-8"?>
+<p:notes xmlns:a="http://schemas.openxmlformats.org/drawingml/2006/main" xmlns:r="http://schemas.openxmlformats.org/officeDocument/2006/relationships" xmlns:p="http://schemas.openxmlformats.org/presentationml/2006/main">
+  <p:cSld>
+    <p:spTree>
+      <p:nvGrpSpPr>
+        <p:cNvPr id="1" name=""/>
+        <p:cNvGrpSpPr/>
+        <p:nvPr/>
+      </p:nvGrpSpPr>
+      <p:grpSpPr>
+        <a:xfrm>
+          <a:off x="0" y="0"/>
+          <a:ext cx="0" cy="0"/>
+          <a:chOff x="0" y="0"/>
+          <a:chExt cx="0" cy="0"/>
+        </a:xfrm>
+      </p:grpSpPr>
+      <p:sp>
+        <p:nvSpPr>
+          <p:cNvPr id="2" name="スライド イメージ プレースホルダー 1"/>
+          <p:cNvSpPr>
+            <a:spLocks noGrp="1" noRot="1" noChangeAspect="1"/>
+          </p:cNvSpPr>
+          <p:nvPr>
+            <p:ph type="sldImg"/>
+          </p:nvPr>
+        </p:nvSpPr>
+        <p:spPr/>
+      </p:sp>
+      <p:sp>
+        <p:nvSpPr>
+          <p:cNvPr id="3" name="ノート プレースホルダー 2"/>
+          <p:cNvSpPr>
+            <a:spLocks noGrp="1"/>
+          </p:cNvSpPr>
+          <p:nvPr>
+            <p:ph type="body" idx="1"/>
+          </p:nvPr>
+        </p:nvSpPr>
+        <p:spPr/>
+        <p:txBody>
+          <a:bodyPr/>
+          <a:lstStyle/>
+          <a:p>
+            <a:pPr marL="0" marR="0" lvl="0" indent="0" algn="l" defTabSz="914400" rtl="0" eaLnBrk="1" fontAlgn="auto" latinLnBrk="0" hangingPunct="1">
+              <a:lnSpc>
+                <a:spcPct val="100000"/>
+              </a:lnSpc>
+              <a:spcBef>
+                <a:spcPts val="0"/>
+              </a:spcBef>
+              <a:spcAft>
+                <a:spcPts val="0"/>
+              </a:spcAft>
+              <a:buClrTx/>
+              <a:buSzTx/>
+              <a:buFontTx/>
+              <a:buNone/>
+              <a:tabLst/>
+              <a:defRPr/>
+            </a:pPr>
+            <a:r>
+              <a:rPr kumimoji="1" lang="ja-JP" altLang="en-US" dirty="0"/>
+              <a:t>これはスライド３です</a:t>
+            </a:r>
+          </a:p>
+          <a:p>
+            <a:r>
+              <a:rPr kumimoji="1" lang="ja-JP" altLang="en-US"/>
+              <a:t>さしすせそ</a:t>
+            </a:r>
+            <a:endParaRPr kumimoji="1" lang="ja-JP" altLang="en-US" dirty="0"/>
+          </a:p>
+        </p:txBody>
+      </p:sp>
+      <p:sp>
+        <p:nvSpPr>
+          <p:cNvPr id="4" name="スライド番号プレースホルダー 3"/>
+          <p:cNvSpPr>
+            <a:spLocks noGrp="1"/>
+          </p:cNvSpPr>
+          <p:nvPr>
+            <p:ph type="sldNum" sz="quarter" idx="5"/>
+          </p:nvPr>
+        </p:nvSpPr>
+        <p:spPr/>
+        <p:txBody>
+          <a:bodyPr/>
+          <a:lstStyle/>
+          <a:p>
+            <a:fld id="{43728522-7CE0-4C0B-865D-228E03B84B85}" type="slidenum">
+              <a:rPr kumimoji="1" lang="ja-JP" altLang="en-US" smtClean="0"/>
+              <a:t>5</a:t>
+            </a:fld>
+            <a:endParaRPr kumimoji="1" lang="ja-JP" altLang="en-US"/>
+          </a:p>
+        </p:txBody>
+      </p:sp>
+    </p:spTree>
+    <p:extLst>
+      <p:ext uri="{BB962C8B-B14F-4D97-AF65-F5344CB8AC3E}">
+        <p14:creationId xmlns:p14="http://schemas.microsoft.com/office/powerpoint/2010/main" val="3658240771"/>
+      </p:ext>
+    </p:extLst>
+  </p:cSld>
+  <p:clrMapOvr>
+    <a:masterClrMapping/>
+  </p:clrMapOvr>
+</p:notes>
+</file>
+
+<file path=ppt/notesSlides/notesSlide6.xml><?xml version="1.0" encoding="utf-8"?>
+<p:notes xmlns:a="http://schemas.openxmlformats.org/drawingml/2006/main" xmlns:r="http://schemas.openxmlformats.org/officeDocument/2006/relationships" xmlns:p="http://schemas.openxmlformats.org/presentationml/2006/main">
+  <p:cSld>
+    <p:spTree>
+      <p:nvGrpSpPr>
+        <p:cNvPr id="1" name=""/>
+        <p:cNvGrpSpPr/>
+        <p:nvPr/>
+      </p:nvGrpSpPr>
+      <p:grpSpPr>
+        <a:xfrm>
+          <a:off x="0" y="0"/>
+          <a:ext cx="0" cy="0"/>
+          <a:chOff x="0" y="0"/>
+          <a:chExt cx="0" cy="0"/>
+        </a:xfrm>
+      </p:grpSpPr>
+      <p:sp>
+        <p:nvSpPr>
+          <p:cNvPr id="2" name="スライド イメージ プレースホルダー 1"/>
+          <p:cNvSpPr>
+            <a:spLocks noGrp="1" noRot="1" noChangeAspect="1"/>
+          </p:cNvSpPr>
+          <p:nvPr>
+            <p:ph type="sldImg"/>
+          </p:nvPr>
+        </p:nvSpPr>
+        <p:spPr/>
+      </p:sp>
+      <p:sp>
+        <p:nvSpPr>
+          <p:cNvPr id="3" name="ノート プレースホルダー 2"/>
+          <p:cNvSpPr>
+            <a:spLocks noGrp="1"/>
+          </p:cNvSpPr>
+          <p:nvPr>
+            <p:ph type="body" idx="1"/>
+          </p:nvPr>
+        </p:nvSpPr>
+        <p:spPr/>
+        <p:txBody>
+          <a:bodyPr/>
+          <a:lstStyle/>
+          <a:p>
+            <a:pPr marL="0" marR="0" lvl="0" indent="0" algn="l" defTabSz="914400" rtl="0" eaLnBrk="1" fontAlgn="auto" latinLnBrk="0" hangingPunct="1">
+              <a:lnSpc>
+                <a:spcPct val="100000"/>
+              </a:lnSpc>
+              <a:spcBef>
+                <a:spcPts val="0"/>
+              </a:spcBef>
+              <a:spcAft>
+                <a:spcPts val="0"/>
+              </a:spcAft>
+              <a:buClrTx/>
+              <a:buSzTx/>
+              <a:buFontTx/>
+              <a:buNone/>
+              <a:tabLst/>
+              <a:defRPr/>
+            </a:pPr>
+            <a:r>
+              <a:rPr kumimoji="1" lang="ja-JP" altLang="en-US" dirty="0"/>
+              <a:t>これはスライド３です</a:t>
+            </a:r>
+          </a:p>
+          <a:p>
+            <a:r>
+              <a:rPr kumimoji="1" lang="ja-JP" altLang="en-US"/>
+              <a:t>さしすせそ</a:t>
+            </a:r>
+            <a:endParaRPr kumimoji="1" lang="ja-JP" altLang="en-US" dirty="0"/>
+          </a:p>
+        </p:txBody>
+      </p:sp>
+      <p:sp>
+        <p:nvSpPr>
+          <p:cNvPr id="4" name="スライド番号プレースホルダー 3"/>
+          <p:cNvSpPr>
+            <a:spLocks noGrp="1"/>
+          </p:cNvSpPr>
+          <p:nvPr>
+            <p:ph type="sldNum" sz="quarter" idx="5"/>
+          </p:nvPr>
+        </p:nvSpPr>
+        <p:spPr/>
+        <p:txBody>
+          <a:bodyPr/>
+          <a:lstStyle/>
+          <a:p>
+            <a:fld id="{43728522-7CE0-4C0B-865D-228E03B84B85}" type="slidenum">
+              <a:rPr kumimoji="1" lang="ja-JP" altLang="en-US" smtClean="0"/>
+              <a:t>6</a:t>
+            </a:fld>
+            <a:endParaRPr kumimoji="1" lang="ja-JP" altLang="en-US"/>
+          </a:p>
+        </p:txBody>
+      </p:sp>
+    </p:spTree>
+    <p:extLst>
+      <p:ext uri="{BB962C8B-B14F-4D97-AF65-F5344CB8AC3E}">
+        <p14:creationId xmlns:p14="http://schemas.microsoft.com/office/powerpoint/2010/main" val="1344433747"/>
+      </p:ext>
+    </p:extLst>
+  </p:cSld>
+  <p:clrMapOvr>
+    <a:masterClrMapping/>
+  </p:clrMapOvr>
+</p:notes>
+</file>
+
+<file path=ppt/notesSlides/notesSlide7.xml><?xml version="1.0" encoding="utf-8"?>
+<p:notes xmlns:a="http://schemas.openxmlformats.org/drawingml/2006/main" xmlns:r="http://schemas.openxmlformats.org/officeDocument/2006/relationships" xmlns:p="http://schemas.openxmlformats.org/presentationml/2006/main">
+  <p:cSld>
+    <p:spTree>
+      <p:nvGrpSpPr>
+        <p:cNvPr id="1" name=""/>
+        <p:cNvGrpSpPr/>
+        <p:nvPr/>
+      </p:nvGrpSpPr>
+      <p:grpSpPr>
+        <a:xfrm>
+          <a:off x="0" y="0"/>
+          <a:ext cx="0" cy="0"/>
+          <a:chOff x="0" y="0"/>
+          <a:chExt cx="0" cy="0"/>
+        </a:xfrm>
+      </p:grpSpPr>
+      <p:sp>
+        <p:nvSpPr>
+          <p:cNvPr id="2" name="スライド イメージ プレースホルダー 1"/>
+          <p:cNvSpPr>
+            <a:spLocks noGrp="1" noRot="1" noChangeAspect="1"/>
+          </p:cNvSpPr>
+          <p:nvPr>
+            <p:ph type="sldImg"/>
+          </p:nvPr>
+        </p:nvSpPr>
+        <p:spPr/>
+      </p:sp>
+      <p:sp>
+        <p:nvSpPr>
+          <p:cNvPr id="3" name="ノート プレースホルダー 2"/>
+          <p:cNvSpPr>
+            <a:spLocks noGrp="1"/>
+          </p:cNvSpPr>
+          <p:nvPr>
+            <p:ph type="body" idx="1"/>
+          </p:nvPr>
+        </p:nvSpPr>
+        <p:spPr/>
+        <p:txBody>
+          <a:bodyPr/>
+          <a:lstStyle/>
+          <a:p>
+            <a:pPr marL="0" marR="0" lvl="0" indent="0" algn="l" defTabSz="914400" rtl="0" eaLnBrk="1" fontAlgn="auto" latinLnBrk="0" hangingPunct="1">
+              <a:lnSpc>
+                <a:spcPct val="100000"/>
+              </a:lnSpc>
+              <a:spcBef>
+                <a:spcPts val="0"/>
+              </a:spcBef>
+              <a:spcAft>
+                <a:spcPts val="0"/>
+              </a:spcAft>
+              <a:buClrTx/>
+              <a:buSzTx/>
+              <a:buFontTx/>
+              <a:buNone/>
+              <a:tabLst/>
+              <a:defRPr/>
+            </a:pPr>
+            <a:r>
+              <a:rPr kumimoji="1" lang="ja-JP" altLang="en-US" dirty="0"/>
+              <a:t>これはスライド３です</a:t>
+            </a:r>
+          </a:p>
+          <a:p>
+            <a:r>
+              <a:rPr kumimoji="1" lang="ja-JP" altLang="en-US"/>
+              <a:t>さしすせそ</a:t>
+            </a:r>
+            <a:endParaRPr kumimoji="1" lang="ja-JP" altLang="en-US" dirty="0"/>
+          </a:p>
+        </p:txBody>
+      </p:sp>
+      <p:sp>
+        <p:nvSpPr>
+          <p:cNvPr id="4" name="スライド番号プレースホルダー 3"/>
+          <p:cNvSpPr>
+            <a:spLocks noGrp="1"/>
+          </p:cNvSpPr>
+          <p:nvPr>
+            <p:ph type="sldNum" sz="quarter" idx="5"/>
+          </p:nvPr>
+        </p:nvSpPr>
+        <p:spPr/>
+        <p:txBody>
+          <a:bodyPr/>
+          <a:lstStyle/>
+          <a:p>
+            <a:fld id="{43728522-7CE0-4C0B-865D-228E03B84B85}" type="slidenum">
+              <a:rPr kumimoji="1" lang="ja-JP" altLang="en-US" smtClean="0"/>
+              <a:t>7</a:t>
+            </a:fld>
+            <a:endParaRPr kumimoji="1" lang="ja-JP" altLang="en-US"/>
+          </a:p>
+        </p:txBody>
+      </p:sp>
+    </p:spTree>
+    <p:extLst>
+      <p:ext uri="{BB962C8B-B14F-4D97-AF65-F5344CB8AC3E}">
+        <p14:creationId xmlns:p14="http://schemas.microsoft.com/office/powerpoint/2010/main" val="40565668"/>
+      </p:ext>
+    </p:extLst>
+  </p:cSld>
+  <p:clrMapOvr>
+    <a:masterClrMapping/>
+  </p:clrMapOvr>
+</p:notes>
+</file>
+
+<file path=ppt/notesSlides/notesSlide8.xml><?xml version="1.0" encoding="utf-8"?>
+<p:notes xmlns:a="http://schemas.openxmlformats.org/drawingml/2006/main" xmlns:r="http://schemas.openxmlformats.org/officeDocument/2006/relationships" xmlns:p="http://schemas.openxmlformats.org/presentationml/2006/main">
+  <p:cSld>
+    <p:spTree>
+      <p:nvGrpSpPr>
+        <p:cNvPr id="1" name=""/>
+        <p:cNvGrpSpPr/>
+        <p:nvPr/>
+      </p:nvGrpSpPr>
+      <p:grpSpPr>
+        <a:xfrm>
+          <a:off x="0" y="0"/>
+          <a:ext cx="0" cy="0"/>
+          <a:chOff x="0" y="0"/>
+          <a:chExt cx="0" cy="0"/>
+        </a:xfrm>
+      </p:grpSpPr>
+      <p:sp>
+        <p:nvSpPr>
+          <p:cNvPr id="2" name="スライド イメージ プレースホルダー 1"/>
+          <p:cNvSpPr>
+            <a:spLocks noGrp="1" noRot="1" noChangeAspect="1"/>
+          </p:cNvSpPr>
+          <p:nvPr>
+            <p:ph type="sldImg"/>
+          </p:nvPr>
+        </p:nvSpPr>
+        <p:spPr/>
+      </p:sp>
+      <p:sp>
+        <p:nvSpPr>
+          <p:cNvPr id="3" name="ノート プレースホルダー 2"/>
+          <p:cNvSpPr>
+            <a:spLocks noGrp="1"/>
+          </p:cNvSpPr>
+          <p:nvPr>
+            <p:ph type="body" idx="1"/>
+          </p:nvPr>
+        </p:nvSpPr>
+        <p:spPr/>
+        <p:txBody>
+          <a:bodyPr/>
+          <a:lstStyle/>
+          <a:p>
+            <a:pPr marL="0" marR="0" lvl="0" indent="0" algn="l" defTabSz="914400" rtl="0" eaLnBrk="1" fontAlgn="auto" latinLnBrk="0" hangingPunct="1">
+              <a:lnSpc>
+                <a:spcPct val="100000"/>
+              </a:lnSpc>
+              <a:spcBef>
+                <a:spcPts val="0"/>
+              </a:spcBef>
+              <a:spcAft>
+                <a:spcPts val="0"/>
+              </a:spcAft>
+              <a:buClrTx/>
+              <a:buSzTx/>
+              <a:buFontTx/>
+              <a:buNone/>
+              <a:tabLst/>
+              <a:defRPr/>
+            </a:pPr>
+            <a:r>
+              <a:rPr kumimoji="1" lang="ja-JP" altLang="en-US" dirty="0"/>
+              <a:t>これはスライド３です</a:t>
+            </a:r>
+          </a:p>
+          <a:p>
+            <a:r>
+              <a:rPr kumimoji="1" lang="ja-JP" altLang="en-US"/>
+              <a:t>さしすせそ</a:t>
+            </a:r>
+            <a:endParaRPr kumimoji="1" lang="ja-JP" altLang="en-US" dirty="0"/>
+          </a:p>
+        </p:txBody>
+      </p:sp>
+      <p:sp>
+        <p:nvSpPr>
+          <p:cNvPr id="4" name="スライド番号プレースホルダー 3"/>
+          <p:cNvSpPr>
+            <a:spLocks noGrp="1"/>
+          </p:cNvSpPr>
+          <p:nvPr>
+            <p:ph type="sldNum" sz="quarter" idx="5"/>
+          </p:nvPr>
+        </p:nvSpPr>
+        <p:spPr/>
+        <p:txBody>
+          <a:bodyPr/>
+          <a:lstStyle/>
+          <a:p>
+            <a:fld id="{43728522-7CE0-4C0B-865D-228E03B84B85}" type="slidenum">
+              <a:rPr kumimoji="1" lang="ja-JP" altLang="en-US" smtClean="0"/>
+              <a:t>8</a:t>
+            </a:fld>
+            <a:endParaRPr kumimoji="1" lang="ja-JP" altLang="en-US"/>
+          </a:p>
+        </p:txBody>
+      </p:sp>
+    </p:spTree>
+    <p:extLst>
+      <p:ext uri="{BB962C8B-B14F-4D97-AF65-F5344CB8AC3E}">
+        <p14:creationId xmlns:p14="http://schemas.microsoft.com/office/powerpoint/2010/main" val="1637622610"/>
+      </p:ext>
+    </p:extLst>
+  </p:cSld>
+  <p:clrMapOvr>
+    <a:masterClrMapping/>
+  </p:clrMapOvr>
+</p:notes>
+</file>
+
+<file path=ppt/notesSlides/notesSlide9.xml><?xml version="1.0" encoding="utf-8"?>
+<p:notes xmlns:a="http://schemas.openxmlformats.org/drawingml/2006/main" xmlns:r="http://schemas.openxmlformats.org/officeDocument/2006/relationships" xmlns:p="http://schemas.openxmlformats.org/presentationml/2006/main">
+  <p:cSld>
+    <p:spTree>
+      <p:nvGrpSpPr>
+        <p:cNvPr id="1" name=""/>
+        <p:cNvGrpSpPr/>
+        <p:nvPr/>
+      </p:nvGrpSpPr>
+      <p:grpSpPr>
+        <a:xfrm>
+          <a:off x="0" y="0"/>
+          <a:ext cx="0" cy="0"/>
+          <a:chOff x="0" y="0"/>
+          <a:chExt cx="0" cy="0"/>
+        </a:xfrm>
+      </p:grpSpPr>
+      <p:sp>
+        <p:nvSpPr>
+          <p:cNvPr id="2" name="スライド イメージ プレースホルダー 1"/>
+          <p:cNvSpPr>
+            <a:spLocks noGrp="1" noRot="1" noChangeAspect="1"/>
+          </p:cNvSpPr>
+          <p:nvPr>
+            <p:ph type="sldImg"/>
+          </p:nvPr>
+        </p:nvSpPr>
+        <p:spPr/>
+      </p:sp>
+      <p:sp>
+        <p:nvSpPr>
+          <p:cNvPr id="3" name="ノート プレースホルダー 2"/>
+          <p:cNvSpPr>
+            <a:spLocks noGrp="1"/>
+          </p:cNvSpPr>
+          <p:nvPr>
+            <p:ph type="body" idx="1"/>
+          </p:nvPr>
+        </p:nvSpPr>
+        <p:spPr/>
+        <p:txBody>
+          <a:bodyPr/>
+          <a:lstStyle/>
+          <a:p>
+            <a:pPr marL="0" marR="0" lvl="0" indent="0" algn="l" defTabSz="914400" rtl="0" eaLnBrk="1" fontAlgn="auto" latinLnBrk="0" hangingPunct="1">
+              <a:lnSpc>
+                <a:spcPct val="100000"/>
+              </a:lnSpc>
+              <a:spcBef>
+                <a:spcPts val="0"/>
+              </a:spcBef>
+              <a:spcAft>
+                <a:spcPts val="0"/>
+              </a:spcAft>
+              <a:buClrTx/>
+              <a:buSzTx/>
+              <a:buFontTx/>
+              <a:buNone/>
+              <a:tabLst/>
+              <a:defRPr/>
+            </a:pPr>
+            <a:r>
+              <a:rPr kumimoji="1" lang="ja-JP" altLang="en-US" dirty="0"/>
+              <a:t>これはスライド３です</a:t>
+            </a:r>
+          </a:p>
+          <a:p>
+            <a:r>
+              <a:rPr kumimoji="1" lang="ja-JP" altLang="en-US"/>
+              <a:t>さしすせそ</a:t>
+            </a:r>
+            <a:endParaRPr kumimoji="1" lang="ja-JP" altLang="en-US" dirty="0"/>
+          </a:p>
+        </p:txBody>
+      </p:sp>
+      <p:sp>
+        <p:nvSpPr>
+          <p:cNvPr id="4" name="スライド番号プレースホルダー 3"/>
+          <p:cNvSpPr>
+            <a:spLocks noGrp="1"/>
+          </p:cNvSpPr>
+          <p:nvPr>
+            <p:ph type="sldNum" sz="quarter" idx="5"/>
+          </p:nvPr>
+        </p:nvSpPr>
+        <p:spPr/>
+        <p:txBody>
+          <a:bodyPr/>
+          <a:lstStyle/>
+          <a:p>
+            <a:fld id="{43728522-7CE0-4C0B-865D-228E03B84B85}" type="slidenum">
+              <a:rPr kumimoji="1" lang="ja-JP" altLang="en-US" smtClean="0"/>
+              <a:t>9</a:t>
+            </a:fld>
+            <a:endParaRPr kumimoji="1" lang="ja-JP" altLang="en-US"/>
+          </a:p>
+        </p:txBody>
+      </p:sp>
+    </p:spTree>
+    <p:extLst>
+      <p:ext uri="{BB962C8B-B14F-4D97-AF65-F5344CB8AC3E}">
+        <p14:creationId xmlns:p14="http://schemas.microsoft.com/office/powerpoint/2010/main" val="1173940548"/>
       </p:ext>
     </p:extLst>
   </p:cSld>
@@ -814,7 +1803,7 @@
           <p:cNvPr id="2" name="タイトル 1">
             <a:extLst>
               <a:ext uri="{FF2B5EF4-FFF2-40B4-BE49-F238E27FC236}">
-                <a16:creationId xmlns:a16="http://schemas.microsoft.com/office/drawing/2014/main" id="{B6240A51-0CF6-0278-19F9-103BE9DBC35A}"/>
+                <a16:creationId xmlns="" xmlns:a16="http://schemas.microsoft.com/office/drawing/2014/main" id="{B6240A51-0CF6-0278-19F9-103BE9DBC35A}"/>
               </a:ext>
             </a:extLst>
           </p:cNvPr>
@@ -851,7 +1840,7 @@
           <p:cNvPr id="3" name="字幕 2">
             <a:extLst>
               <a:ext uri="{FF2B5EF4-FFF2-40B4-BE49-F238E27FC236}">
-                <a16:creationId xmlns:a16="http://schemas.microsoft.com/office/drawing/2014/main" id="{2250E4C0-8ECE-D196-3C03-BC42C7833907}"/>
+                <a16:creationId xmlns="" xmlns:a16="http://schemas.microsoft.com/office/drawing/2014/main" id="{2250E4C0-8ECE-D196-3C03-BC42C7833907}"/>
               </a:ext>
             </a:extLst>
           </p:cNvPr>
@@ -921,7 +1910,7 @@
           <p:cNvPr id="4" name="日付プレースホルダー 3">
             <a:extLst>
               <a:ext uri="{FF2B5EF4-FFF2-40B4-BE49-F238E27FC236}">
-                <a16:creationId xmlns:a16="http://schemas.microsoft.com/office/drawing/2014/main" id="{80A3D9F6-9EE3-A16B-78E5-076F01A05F16}"/>
+                <a16:creationId xmlns="" xmlns:a16="http://schemas.microsoft.com/office/drawing/2014/main" id="{80A3D9F6-9EE3-A16B-78E5-076F01A05F16}"/>
               </a:ext>
             </a:extLst>
           </p:cNvPr>
@@ -939,7 +1928,7 @@
           <a:p>
             <a:fld id="{F4376828-AD00-473C-A078-1199530D653E}" type="datetimeFigureOut">
               <a:rPr kumimoji="1" lang="ja-JP" altLang="en-US" smtClean="0"/>
-              <a:t>2024/4/17</a:t>
+              <a:t>2024/5/12</a:t>
             </a:fld>
             <a:endParaRPr kumimoji="1" lang="ja-JP" altLang="en-US"/>
           </a:p>
@@ -950,7 +1939,7 @@
           <p:cNvPr id="5" name="フッター プレースホルダー 4">
             <a:extLst>
               <a:ext uri="{FF2B5EF4-FFF2-40B4-BE49-F238E27FC236}">
-                <a16:creationId xmlns:a16="http://schemas.microsoft.com/office/drawing/2014/main" id="{1666E35D-BD60-E63B-7C76-028E0DC552A7}"/>
+                <a16:creationId xmlns="" xmlns:a16="http://schemas.microsoft.com/office/drawing/2014/main" id="{1666E35D-BD60-E63B-7C76-028E0DC552A7}"/>
               </a:ext>
             </a:extLst>
           </p:cNvPr>
@@ -975,7 +1964,7 @@
           <p:cNvPr id="6" name="スライド番号プレースホルダー 5">
             <a:extLst>
               <a:ext uri="{FF2B5EF4-FFF2-40B4-BE49-F238E27FC236}">
-                <a16:creationId xmlns:a16="http://schemas.microsoft.com/office/drawing/2014/main" id="{CC02C203-FD87-FE62-542A-7CAD220F5DB1}"/>
+                <a16:creationId xmlns="" xmlns:a16="http://schemas.microsoft.com/office/drawing/2014/main" id="{CC02C203-FD87-FE62-542A-7CAD220F5DB1}"/>
               </a:ext>
             </a:extLst>
           </p:cNvPr>
@@ -1034,7 +2023,7 @@
           <p:cNvPr id="2" name="タイトル 1">
             <a:extLst>
               <a:ext uri="{FF2B5EF4-FFF2-40B4-BE49-F238E27FC236}">
-                <a16:creationId xmlns:a16="http://schemas.microsoft.com/office/drawing/2014/main" id="{9DCFF0AE-7603-4ECA-81E0-D580C9D24BEA}"/>
+                <a16:creationId xmlns="" xmlns:a16="http://schemas.microsoft.com/office/drawing/2014/main" id="{9DCFF0AE-7603-4ECA-81E0-D580C9D24BEA}"/>
               </a:ext>
             </a:extLst>
           </p:cNvPr>
@@ -1062,7 +2051,7 @@
           <p:cNvPr id="3" name="縦書きテキスト プレースホルダー 2">
             <a:extLst>
               <a:ext uri="{FF2B5EF4-FFF2-40B4-BE49-F238E27FC236}">
-                <a16:creationId xmlns:a16="http://schemas.microsoft.com/office/drawing/2014/main" id="{0B361192-CE4A-39E8-AF94-26C44E6C64DB}"/>
+                <a16:creationId xmlns="" xmlns:a16="http://schemas.microsoft.com/office/drawing/2014/main" id="{0B361192-CE4A-39E8-AF94-26C44E6C64DB}"/>
               </a:ext>
             </a:extLst>
           </p:cNvPr>
@@ -1151,7 +2140,7 @@
           <p:cNvPr id="4" name="日付プレースホルダー 3">
             <a:extLst>
               <a:ext uri="{FF2B5EF4-FFF2-40B4-BE49-F238E27FC236}">
-                <a16:creationId xmlns:a16="http://schemas.microsoft.com/office/drawing/2014/main" id="{C57F7A3A-EEE2-53A9-5676-D55376039335}"/>
+                <a16:creationId xmlns="" xmlns:a16="http://schemas.microsoft.com/office/drawing/2014/main" id="{C57F7A3A-EEE2-53A9-5676-D55376039335}"/>
               </a:ext>
             </a:extLst>
           </p:cNvPr>
@@ -1169,7 +2158,7 @@
           <a:p>
             <a:fld id="{F4376828-AD00-473C-A078-1199530D653E}" type="datetimeFigureOut">
               <a:rPr kumimoji="1" lang="ja-JP" altLang="en-US" smtClean="0"/>
-              <a:t>2024/4/17</a:t>
+              <a:t>2024/5/12</a:t>
             </a:fld>
             <a:endParaRPr kumimoji="1" lang="ja-JP" altLang="en-US"/>
           </a:p>
@@ -1180,7 +2169,7 @@
           <p:cNvPr id="5" name="フッター プレースホルダー 4">
             <a:extLst>
               <a:ext uri="{FF2B5EF4-FFF2-40B4-BE49-F238E27FC236}">
-                <a16:creationId xmlns:a16="http://schemas.microsoft.com/office/drawing/2014/main" id="{E84A2BCD-7F08-90AB-7BFD-2ADF9A8237B0}"/>
+                <a16:creationId xmlns="" xmlns:a16="http://schemas.microsoft.com/office/drawing/2014/main" id="{E84A2BCD-7F08-90AB-7BFD-2ADF9A8237B0}"/>
               </a:ext>
             </a:extLst>
           </p:cNvPr>
@@ -1205,7 +2194,7 @@
           <p:cNvPr id="6" name="スライド番号プレースホルダー 5">
             <a:extLst>
               <a:ext uri="{FF2B5EF4-FFF2-40B4-BE49-F238E27FC236}">
-                <a16:creationId xmlns:a16="http://schemas.microsoft.com/office/drawing/2014/main" id="{503456EA-299C-EFE9-CC83-0E62E16F10EB}"/>
+                <a16:creationId xmlns="" xmlns:a16="http://schemas.microsoft.com/office/drawing/2014/main" id="{503456EA-299C-EFE9-CC83-0E62E16F10EB}"/>
               </a:ext>
             </a:extLst>
           </p:cNvPr>
@@ -1264,7 +2253,7 @@
           <p:cNvPr id="2" name="縦書きタイトル 1">
             <a:extLst>
               <a:ext uri="{FF2B5EF4-FFF2-40B4-BE49-F238E27FC236}">
-                <a16:creationId xmlns:a16="http://schemas.microsoft.com/office/drawing/2014/main" id="{F24F2E18-5C85-6C70-F245-806126577349}"/>
+                <a16:creationId xmlns="" xmlns:a16="http://schemas.microsoft.com/office/drawing/2014/main" id="{F24F2E18-5C85-6C70-F245-806126577349}"/>
               </a:ext>
             </a:extLst>
           </p:cNvPr>
@@ -1297,7 +2286,7 @@
           <p:cNvPr id="3" name="縦書きテキスト プレースホルダー 2">
             <a:extLst>
               <a:ext uri="{FF2B5EF4-FFF2-40B4-BE49-F238E27FC236}">
-                <a16:creationId xmlns:a16="http://schemas.microsoft.com/office/drawing/2014/main" id="{0B52276C-90FD-AD1F-4EE5-71891FDDC4EB}"/>
+                <a16:creationId xmlns="" xmlns:a16="http://schemas.microsoft.com/office/drawing/2014/main" id="{0B52276C-90FD-AD1F-4EE5-71891FDDC4EB}"/>
               </a:ext>
             </a:extLst>
           </p:cNvPr>
@@ -1391,7 +2380,7 @@
           <p:cNvPr id="4" name="日付プレースホルダー 3">
             <a:extLst>
               <a:ext uri="{FF2B5EF4-FFF2-40B4-BE49-F238E27FC236}">
-                <a16:creationId xmlns:a16="http://schemas.microsoft.com/office/drawing/2014/main" id="{84ED6A3A-CBE9-CE1F-87DC-AFEDA63C508E}"/>
+                <a16:creationId xmlns="" xmlns:a16="http://schemas.microsoft.com/office/drawing/2014/main" id="{84ED6A3A-CBE9-CE1F-87DC-AFEDA63C508E}"/>
               </a:ext>
             </a:extLst>
           </p:cNvPr>
@@ -1409,7 +2398,7 @@
           <a:p>
             <a:fld id="{F4376828-AD00-473C-A078-1199530D653E}" type="datetimeFigureOut">
               <a:rPr kumimoji="1" lang="ja-JP" altLang="en-US" smtClean="0"/>
-              <a:t>2024/4/17</a:t>
+              <a:t>2024/5/12</a:t>
             </a:fld>
             <a:endParaRPr kumimoji="1" lang="ja-JP" altLang="en-US"/>
           </a:p>
@@ -1420,7 +2409,7 @@
           <p:cNvPr id="5" name="フッター プレースホルダー 4">
             <a:extLst>
               <a:ext uri="{FF2B5EF4-FFF2-40B4-BE49-F238E27FC236}">
-                <a16:creationId xmlns:a16="http://schemas.microsoft.com/office/drawing/2014/main" id="{278DBD2E-CE08-5B50-5C25-4A637123AD0D}"/>
+                <a16:creationId xmlns="" xmlns:a16="http://schemas.microsoft.com/office/drawing/2014/main" id="{278DBD2E-CE08-5B50-5C25-4A637123AD0D}"/>
               </a:ext>
             </a:extLst>
           </p:cNvPr>
@@ -1445,7 +2434,7 @@
           <p:cNvPr id="6" name="スライド番号プレースホルダー 5">
             <a:extLst>
               <a:ext uri="{FF2B5EF4-FFF2-40B4-BE49-F238E27FC236}">
-                <a16:creationId xmlns:a16="http://schemas.microsoft.com/office/drawing/2014/main" id="{76631C4C-4546-7123-C150-F2DB4962C4B8}"/>
+                <a16:creationId xmlns="" xmlns:a16="http://schemas.microsoft.com/office/drawing/2014/main" id="{76631C4C-4546-7123-C150-F2DB4962C4B8}"/>
               </a:ext>
             </a:extLst>
           </p:cNvPr>
@@ -1504,7 +2493,7 @@
           <p:cNvPr id="2" name="タイトル 1">
             <a:extLst>
               <a:ext uri="{FF2B5EF4-FFF2-40B4-BE49-F238E27FC236}">
-                <a16:creationId xmlns:a16="http://schemas.microsoft.com/office/drawing/2014/main" id="{7EE40FA4-1FA2-C700-528C-24A797F3161B}"/>
+                <a16:creationId xmlns="" xmlns:a16="http://schemas.microsoft.com/office/drawing/2014/main" id="{7EE40FA4-1FA2-C700-528C-24A797F3161B}"/>
               </a:ext>
             </a:extLst>
           </p:cNvPr>
@@ -1532,7 +2521,7 @@
           <p:cNvPr id="3" name="コンテンツ プレースホルダー 2">
             <a:extLst>
               <a:ext uri="{FF2B5EF4-FFF2-40B4-BE49-F238E27FC236}">
-                <a16:creationId xmlns:a16="http://schemas.microsoft.com/office/drawing/2014/main" id="{D18C7E64-57F3-877B-1248-FBDFE39864BB}"/>
+                <a16:creationId xmlns="" xmlns:a16="http://schemas.microsoft.com/office/drawing/2014/main" id="{D18C7E64-57F3-877B-1248-FBDFE39864BB}"/>
               </a:ext>
             </a:extLst>
           </p:cNvPr>
@@ -1621,7 +2610,7 @@
           <p:cNvPr id="4" name="日付プレースホルダー 3">
             <a:extLst>
               <a:ext uri="{FF2B5EF4-FFF2-40B4-BE49-F238E27FC236}">
-                <a16:creationId xmlns:a16="http://schemas.microsoft.com/office/drawing/2014/main" id="{DA7BBA10-4012-9EC9-0220-0FF470F44839}"/>
+                <a16:creationId xmlns="" xmlns:a16="http://schemas.microsoft.com/office/drawing/2014/main" id="{DA7BBA10-4012-9EC9-0220-0FF470F44839}"/>
               </a:ext>
             </a:extLst>
           </p:cNvPr>
@@ -1639,7 +2628,7 @@
           <a:p>
             <a:fld id="{F4376828-AD00-473C-A078-1199530D653E}" type="datetimeFigureOut">
               <a:rPr kumimoji="1" lang="ja-JP" altLang="en-US" smtClean="0"/>
-              <a:t>2024/4/17</a:t>
+              <a:t>2024/5/12</a:t>
             </a:fld>
             <a:endParaRPr kumimoji="1" lang="ja-JP" altLang="en-US"/>
           </a:p>
@@ -1650,7 +2639,7 @@
           <p:cNvPr id="5" name="フッター プレースホルダー 4">
             <a:extLst>
               <a:ext uri="{FF2B5EF4-FFF2-40B4-BE49-F238E27FC236}">
-                <a16:creationId xmlns:a16="http://schemas.microsoft.com/office/drawing/2014/main" id="{F5CE7D27-87C3-15A5-49FD-4894FC121478}"/>
+                <a16:creationId xmlns="" xmlns:a16="http://schemas.microsoft.com/office/drawing/2014/main" id="{F5CE7D27-87C3-15A5-49FD-4894FC121478}"/>
               </a:ext>
             </a:extLst>
           </p:cNvPr>
@@ -1675,7 +2664,7 @@
           <p:cNvPr id="6" name="スライド番号プレースホルダー 5">
             <a:extLst>
               <a:ext uri="{FF2B5EF4-FFF2-40B4-BE49-F238E27FC236}">
-                <a16:creationId xmlns:a16="http://schemas.microsoft.com/office/drawing/2014/main" id="{921BAD0E-F10B-F879-1AF0-CE12CD8D50B1}"/>
+                <a16:creationId xmlns="" xmlns:a16="http://schemas.microsoft.com/office/drawing/2014/main" id="{921BAD0E-F10B-F879-1AF0-CE12CD8D50B1}"/>
               </a:ext>
             </a:extLst>
           </p:cNvPr>
@@ -1734,7 +2723,7 @@
           <p:cNvPr id="2" name="タイトル 1">
             <a:extLst>
               <a:ext uri="{FF2B5EF4-FFF2-40B4-BE49-F238E27FC236}">
-                <a16:creationId xmlns:a16="http://schemas.microsoft.com/office/drawing/2014/main" id="{BD88BB3C-BA3C-A56C-4DA5-387CDA70F2FF}"/>
+                <a16:creationId xmlns="" xmlns:a16="http://schemas.microsoft.com/office/drawing/2014/main" id="{BD88BB3C-BA3C-A56C-4DA5-387CDA70F2FF}"/>
               </a:ext>
             </a:extLst>
           </p:cNvPr>
@@ -1771,7 +2760,7 @@
           <p:cNvPr id="3" name="テキスト プレースホルダー 2">
             <a:extLst>
               <a:ext uri="{FF2B5EF4-FFF2-40B4-BE49-F238E27FC236}">
-                <a16:creationId xmlns:a16="http://schemas.microsoft.com/office/drawing/2014/main" id="{412C0269-D41E-5197-CEFE-6644FEA26663}"/>
+                <a16:creationId xmlns="" xmlns:a16="http://schemas.microsoft.com/office/drawing/2014/main" id="{412C0269-D41E-5197-CEFE-6644FEA26663}"/>
               </a:ext>
             </a:extLst>
           </p:cNvPr>
@@ -1896,7 +2885,7 @@
           <p:cNvPr id="4" name="日付プレースホルダー 3">
             <a:extLst>
               <a:ext uri="{FF2B5EF4-FFF2-40B4-BE49-F238E27FC236}">
-                <a16:creationId xmlns:a16="http://schemas.microsoft.com/office/drawing/2014/main" id="{2DE7C326-52DE-7E25-162D-CD3387B3B315}"/>
+                <a16:creationId xmlns="" xmlns:a16="http://schemas.microsoft.com/office/drawing/2014/main" id="{2DE7C326-52DE-7E25-162D-CD3387B3B315}"/>
               </a:ext>
             </a:extLst>
           </p:cNvPr>
@@ -1914,7 +2903,7 @@
           <a:p>
             <a:fld id="{F4376828-AD00-473C-A078-1199530D653E}" type="datetimeFigureOut">
               <a:rPr kumimoji="1" lang="ja-JP" altLang="en-US" smtClean="0"/>
-              <a:t>2024/4/17</a:t>
+              <a:t>2024/5/12</a:t>
             </a:fld>
             <a:endParaRPr kumimoji="1" lang="ja-JP" altLang="en-US"/>
           </a:p>
@@ -1925,7 +2914,7 @@
           <p:cNvPr id="5" name="フッター プレースホルダー 4">
             <a:extLst>
               <a:ext uri="{FF2B5EF4-FFF2-40B4-BE49-F238E27FC236}">
-                <a16:creationId xmlns:a16="http://schemas.microsoft.com/office/drawing/2014/main" id="{EDE39D89-9BF0-EE37-ACE3-4576FB724DCF}"/>
+                <a16:creationId xmlns="" xmlns:a16="http://schemas.microsoft.com/office/drawing/2014/main" id="{EDE39D89-9BF0-EE37-ACE3-4576FB724DCF}"/>
               </a:ext>
             </a:extLst>
           </p:cNvPr>
@@ -1950,7 +2939,7 @@
           <p:cNvPr id="6" name="スライド番号プレースホルダー 5">
             <a:extLst>
               <a:ext uri="{FF2B5EF4-FFF2-40B4-BE49-F238E27FC236}">
-                <a16:creationId xmlns:a16="http://schemas.microsoft.com/office/drawing/2014/main" id="{38F38079-A944-2B07-32B1-B567B0F3980E}"/>
+                <a16:creationId xmlns="" xmlns:a16="http://schemas.microsoft.com/office/drawing/2014/main" id="{38F38079-A944-2B07-32B1-B567B0F3980E}"/>
               </a:ext>
             </a:extLst>
           </p:cNvPr>
@@ -2009,7 +2998,7 @@
           <p:cNvPr id="2" name="タイトル 1">
             <a:extLst>
               <a:ext uri="{FF2B5EF4-FFF2-40B4-BE49-F238E27FC236}">
-                <a16:creationId xmlns:a16="http://schemas.microsoft.com/office/drawing/2014/main" id="{770A2102-018F-3D24-2641-960860F7F1D0}"/>
+                <a16:creationId xmlns="" xmlns:a16="http://schemas.microsoft.com/office/drawing/2014/main" id="{770A2102-018F-3D24-2641-960860F7F1D0}"/>
               </a:ext>
             </a:extLst>
           </p:cNvPr>
@@ -2037,7 +3026,7 @@
           <p:cNvPr id="3" name="コンテンツ プレースホルダー 2">
             <a:extLst>
               <a:ext uri="{FF2B5EF4-FFF2-40B4-BE49-F238E27FC236}">
-                <a16:creationId xmlns:a16="http://schemas.microsoft.com/office/drawing/2014/main" id="{0C55907B-955C-CBD7-67FB-199F4ED746E8}"/>
+                <a16:creationId xmlns="" xmlns:a16="http://schemas.microsoft.com/office/drawing/2014/main" id="{0C55907B-955C-CBD7-67FB-199F4ED746E8}"/>
               </a:ext>
             </a:extLst>
           </p:cNvPr>
@@ -2131,7 +3120,7 @@
           <p:cNvPr id="4" name="コンテンツ プレースホルダー 3">
             <a:extLst>
               <a:ext uri="{FF2B5EF4-FFF2-40B4-BE49-F238E27FC236}">
-                <a16:creationId xmlns:a16="http://schemas.microsoft.com/office/drawing/2014/main" id="{02CE8979-B632-DC59-E8BD-6FECC1C18D2B}"/>
+                <a16:creationId xmlns="" xmlns:a16="http://schemas.microsoft.com/office/drawing/2014/main" id="{02CE8979-B632-DC59-E8BD-6FECC1C18D2B}"/>
               </a:ext>
             </a:extLst>
           </p:cNvPr>
@@ -2225,7 +3214,7 @@
           <p:cNvPr id="5" name="日付プレースホルダー 4">
             <a:extLst>
               <a:ext uri="{FF2B5EF4-FFF2-40B4-BE49-F238E27FC236}">
-                <a16:creationId xmlns:a16="http://schemas.microsoft.com/office/drawing/2014/main" id="{0053C90D-4B12-5E4B-A878-64C6A9AFBD65}"/>
+                <a16:creationId xmlns="" xmlns:a16="http://schemas.microsoft.com/office/drawing/2014/main" id="{0053C90D-4B12-5E4B-A878-64C6A9AFBD65}"/>
               </a:ext>
             </a:extLst>
           </p:cNvPr>
@@ -2243,7 +3232,7 @@
           <a:p>
             <a:fld id="{F4376828-AD00-473C-A078-1199530D653E}" type="datetimeFigureOut">
               <a:rPr kumimoji="1" lang="ja-JP" altLang="en-US" smtClean="0"/>
-              <a:t>2024/4/17</a:t>
+              <a:t>2024/5/12</a:t>
             </a:fld>
             <a:endParaRPr kumimoji="1" lang="ja-JP" altLang="en-US"/>
           </a:p>
@@ -2254,7 +3243,7 @@
           <p:cNvPr id="6" name="フッター プレースホルダー 5">
             <a:extLst>
               <a:ext uri="{FF2B5EF4-FFF2-40B4-BE49-F238E27FC236}">
-                <a16:creationId xmlns:a16="http://schemas.microsoft.com/office/drawing/2014/main" id="{7F7B60CD-A704-8E5D-6705-EEA499B5E4D5}"/>
+                <a16:creationId xmlns="" xmlns:a16="http://schemas.microsoft.com/office/drawing/2014/main" id="{7F7B60CD-A704-8E5D-6705-EEA499B5E4D5}"/>
               </a:ext>
             </a:extLst>
           </p:cNvPr>
@@ -2279,7 +3268,7 @@
           <p:cNvPr id="7" name="スライド番号プレースホルダー 6">
             <a:extLst>
               <a:ext uri="{FF2B5EF4-FFF2-40B4-BE49-F238E27FC236}">
-                <a16:creationId xmlns:a16="http://schemas.microsoft.com/office/drawing/2014/main" id="{F568EDE5-13C5-1455-B66B-86EC5B2228B3}"/>
+                <a16:creationId xmlns="" xmlns:a16="http://schemas.microsoft.com/office/drawing/2014/main" id="{F568EDE5-13C5-1455-B66B-86EC5B2228B3}"/>
               </a:ext>
             </a:extLst>
           </p:cNvPr>
@@ -2338,7 +3327,7 @@
           <p:cNvPr id="2" name="タイトル 1">
             <a:extLst>
               <a:ext uri="{FF2B5EF4-FFF2-40B4-BE49-F238E27FC236}">
-                <a16:creationId xmlns:a16="http://schemas.microsoft.com/office/drawing/2014/main" id="{F0830DF9-C3B2-BBF9-8E4C-85D4A82D7E26}"/>
+                <a16:creationId xmlns="" xmlns:a16="http://schemas.microsoft.com/office/drawing/2014/main" id="{F0830DF9-C3B2-BBF9-8E4C-85D4A82D7E26}"/>
               </a:ext>
             </a:extLst>
           </p:cNvPr>
@@ -2371,7 +3360,7 @@
           <p:cNvPr id="3" name="テキスト プレースホルダー 2">
             <a:extLst>
               <a:ext uri="{FF2B5EF4-FFF2-40B4-BE49-F238E27FC236}">
-                <a16:creationId xmlns:a16="http://schemas.microsoft.com/office/drawing/2014/main" id="{B11B6F16-A28B-C9D7-3D02-25EC0A3BAA04}"/>
+                <a16:creationId xmlns="" xmlns:a16="http://schemas.microsoft.com/office/drawing/2014/main" id="{B11B6F16-A28B-C9D7-3D02-25EC0A3BAA04}"/>
               </a:ext>
             </a:extLst>
           </p:cNvPr>
@@ -2442,7 +3431,7 @@
           <p:cNvPr id="4" name="コンテンツ プレースホルダー 3">
             <a:extLst>
               <a:ext uri="{FF2B5EF4-FFF2-40B4-BE49-F238E27FC236}">
-                <a16:creationId xmlns:a16="http://schemas.microsoft.com/office/drawing/2014/main" id="{B1398AF4-5828-E403-A2BB-C9BBA5AB9608}"/>
+                <a16:creationId xmlns="" xmlns:a16="http://schemas.microsoft.com/office/drawing/2014/main" id="{B1398AF4-5828-E403-A2BB-C9BBA5AB9608}"/>
               </a:ext>
             </a:extLst>
           </p:cNvPr>
@@ -2536,7 +3525,7 @@
           <p:cNvPr id="5" name="テキスト プレースホルダー 4">
             <a:extLst>
               <a:ext uri="{FF2B5EF4-FFF2-40B4-BE49-F238E27FC236}">
-                <a16:creationId xmlns:a16="http://schemas.microsoft.com/office/drawing/2014/main" id="{5E0B5CE0-42F3-0CC2-E805-B5A6D0E96006}"/>
+                <a16:creationId xmlns="" xmlns:a16="http://schemas.microsoft.com/office/drawing/2014/main" id="{5E0B5CE0-42F3-0CC2-E805-B5A6D0E96006}"/>
               </a:ext>
             </a:extLst>
           </p:cNvPr>
@@ -2607,7 +3596,7 @@
           <p:cNvPr id="6" name="コンテンツ プレースホルダー 5">
             <a:extLst>
               <a:ext uri="{FF2B5EF4-FFF2-40B4-BE49-F238E27FC236}">
-                <a16:creationId xmlns:a16="http://schemas.microsoft.com/office/drawing/2014/main" id="{160EF93D-D863-7E67-F574-923C01D46855}"/>
+                <a16:creationId xmlns="" xmlns:a16="http://schemas.microsoft.com/office/drawing/2014/main" id="{160EF93D-D863-7E67-F574-923C01D46855}"/>
               </a:ext>
             </a:extLst>
           </p:cNvPr>
@@ -2701,7 +3690,7 @@
           <p:cNvPr id="7" name="日付プレースホルダー 6">
             <a:extLst>
               <a:ext uri="{FF2B5EF4-FFF2-40B4-BE49-F238E27FC236}">
-                <a16:creationId xmlns:a16="http://schemas.microsoft.com/office/drawing/2014/main" id="{1F176E50-F763-4C30-B93F-FF0A93E441F5}"/>
+                <a16:creationId xmlns="" xmlns:a16="http://schemas.microsoft.com/office/drawing/2014/main" id="{1F176E50-F763-4C30-B93F-FF0A93E441F5}"/>
               </a:ext>
             </a:extLst>
           </p:cNvPr>
@@ -2719,7 +3708,7 @@
           <a:p>
             <a:fld id="{F4376828-AD00-473C-A078-1199530D653E}" type="datetimeFigureOut">
               <a:rPr kumimoji="1" lang="ja-JP" altLang="en-US" smtClean="0"/>
-              <a:t>2024/4/17</a:t>
+              <a:t>2024/5/12</a:t>
             </a:fld>
             <a:endParaRPr kumimoji="1" lang="ja-JP" altLang="en-US"/>
           </a:p>
@@ -2730,7 +3719,7 @@
           <p:cNvPr id="8" name="フッター プレースホルダー 7">
             <a:extLst>
               <a:ext uri="{FF2B5EF4-FFF2-40B4-BE49-F238E27FC236}">
-                <a16:creationId xmlns:a16="http://schemas.microsoft.com/office/drawing/2014/main" id="{D981A4D4-6A5A-549F-3E04-4B4B5F950CF0}"/>
+                <a16:creationId xmlns="" xmlns:a16="http://schemas.microsoft.com/office/drawing/2014/main" id="{D981A4D4-6A5A-549F-3E04-4B4B5F950CF0}"/>
               </a:ext>
             </a:extLst>
           </p:cNvPr>
@@ -2755,7 +3744,7 @@
           <p:cNvPr id="9" name="スライド番号プレースホルダー 8">
             <a:extLst>
               <a:ext uri="{FF2B5EF4-FFF2-40B4-BE49-F238E27FC236}">
-                <a16:creationId xmlns:a16="http://schemas.microsoft.com/office/drawing/2014/main" id="{3A4ADEA2-D08D-4EE1-D971-7898E39C6A55}"/>
+                <a16:creationId xmlns="" xmlns:a16="http://schemas.microsoft.com/office/drawing/2014/main" id="{3A4ADEA2-D08D-4EE1-D971-7898E39C6A55}"/>
               </a:ext>
             </a:extLst>
           </p:cNvPr>
@@ -2814,7 +3803,7 @@
           <p:cNvPr id="2" name="タイトル 1">
             <a:extLst>
               <a:ext uri="{FF2B5EF4-FFF2-40B4-BE49-F238E27FC236}">
-                <a16:creationId xmlns:a16="http://schemas.microsoft.com/office/drawing/2014/main" id="{60027BEC-B598-F4C9-BD09-7FD937A8506C}"/>
+                <a16:creationId xmlns="" xmlns:a16="http://schemas.microsoft.com/office/drawing/2014/main" id="{60027BEC-B598-F4C9-BD09-7FD937A8506C}"/>
               </a:ext>
             </a:extLst>
           </p:cNvPr>
@@ -2842,7 +3831,7 @@
           <p:cNvPr id="3" name="日付プレースホルダー 2">
             <a:extLst>
               <a:ext uri="{FF2B5EF4-FFF2-40B4-BE49-F238E27FC236}">
-                <a16:creationId xmlns:a16="http://schemas.microsoft.com/office/drawing/2014/main" id="{E62819E4-0097-969A-AA31-F66A8CDDD53A}"/>
+                <a16:creationId xmlns="" xmlns:a16="http://schemas.microsoft.com/office/drawing/2014/main" id="{E62819E4-0097-969A-AA31-F66A8CDDD53A}"/>
               </a:ext>
             </a:extLst>
           </p:cNvPr>
@@ -2860,7 +3849,7 @@
           <a:p>
             <a:fld id="{F4376828-AD00-473C-A078-1199530D653E}" type="datetimeFigureOut">
               <a:rPr kumimoji="1" lang="ja-JP" altLang="en-US" smtClean="0"/>
-              <a:t>2024/4/17</a:t>
+              <a:t>2024/5/12</a:t>
             </a:fld>
             <a:endParaRPr kumimoji="1" lang="ja-JP" altLang="en-US"/>
           </a:p>
@@ -2871,7 +3860,7 @@
           <p:cNvPr id="4" name="フッター プレースホルダー 3">
             <a:extLst>
               <a:ext uri="{FF2B5EF4-FFF2-40B4-BE49-F238E27FC236}">
-                <a16:creationId xmlns:a16="http://schemas.microsoft.com/office/drawing/2014/main" id="{10BC4B8B-819D-B5CB-E643-8E77DB097573}"/>
+                <a16:creationId xmlns="" xmlns:a16="http://schemas.microsoft.com/office/drawing/2014/main" id="{10BC4B8B-819D-B5CB-E643-8E77DB097573}"/>
               </a:ext>
             </a:extLst>
           </p:cNvPr>
@@ -2896,7 +3885,7 @@
           <p:cNvPr id="5" name="スライド番号プレースホルダー 4">
             <a:extLst>
               <a:ext uri="{FF2B5EF4-FFF2-40B4-BE49-F238E27FC236}">
-                <a16:creationId xmlns:a16="http://schemas.microsoft.com/office/drawing/2014/main" id="{DD640565-FCB7-986D-8F13-8C7F8DD93909}"/>
+                <a16:creationId xmlns="" xmlns:a16="http://schemas.microsoft.com/office/drawing/2014/main" id="{DD640565-FCB7-986D-8F13-8C7F8DD93909}"/>
               </a:ext>
             </a:extLst>
           </p:cNvPr>
@@ -2955,7 +3944,7 @@
           <p:cNvPr id="2" name="日付プレースホルダー 1">
             <a:extLst>
               <a:ext uri="{FF2B5EF4-FFF2-40B4-BE49-F238E27FC236}">
-                <a16:creationId xmlns:a16="http://schemas.microsoft.com/office/drawing/2014/main" id="{544F2BCF-7007-6318-26C2-62F763B133D5}"/>
+                <a16:creationId xmlns="" xmlns:a16="http://schemas.microsoft.com/office/drawing/2014/main" id="{544F2BCF-7007-6318-26C2-62F763B133D5}"/>
               </a:ext>
             </a:extLst>
           </p:cNvPr>
@@ -2973,7 +3962,7 @@
           <a:p>
             <a:fld id="{F4376828-AD00-473C-A078-1199530D653E}" type="datetimeFigureOut">
               <a:rPr kumimoji="1" lang="ja-JP" altLang="en-US" smtClean="0"/>
-              <a:t>2024/4/17</a:t>
+              <a:t>2024/5/12</a:t>
             </a:fld>
             <a:endParaRPr kumimoji="1" lang="ja-JP" altLang="en-US"/>
           </a:p>
@@ -2984,7 +3973,7 @@
           <p:cNvPr id="3" name="フッター プレースホルダー 2">
             <a:extLst>
               <a:ext uri="{FF2B5EF4-FFF2-40B4-BE49-F238E27FC236}">
-                <a16:creationId xmlns:a16="http://schemas.microsoft.com/office/drawing/2014/main" id="{60E1F508-4AAC-EE5B-7B2C-A0E681741505}"/>
+                <a16:creationId xmlns="" xmlns:a16="http://schemas.microsoft.com/office/drawing/2014/main" id="{60E1F508-4AAC-EE5B-7B2C-A0E681741505}"/>
               </a:ext>
             </a:extLst>
           </p:cNvPr>
@@ -3009,7 +3998,7 @@
           <p:cNvPr id="4" name="スライド番号プレースホルダー 3">
             <a:extLst>
               <a:ext uri="{FF2B5EF4-FFF2-40B4-BE49-F238E27FC236}">
-                <a16:creationId xmlns:a16="http://schemas.microsoft.com/office/drawing/2014/main" id="{3F49322D-75CB-70C3-9FAF-62E2A2903011}"/>
+                <a16:creationId xmlns="" xmlns:a16="http://schemas.microsoft.com/office/drawing/2014/main" id="{3F49322D-75CB-70C3-9FAF-62E2A2903011}"/>
               </a:ext>
             </a:extLst>
           </p:cNvPr>
@@ -3068,7 +4057,7 @@
           <p:cNvPr id="2" name="タイトル 1">
             <a:extLst>
               <a:ext uri="{FF2B5EF4-FFF2-40B4-BE49-F238E27FC236}">
-                <a16:creationId xmlns:a16="http://schemas.microsoft.com/office/drawing/2014/main" id="{AE5EE9AC-A0E4-454F-EC4F-71A137A97EEE}"/>
+                <a16:creationId xmlns="" xmlns:a16="http://schemas.microsoft.com/office/drawing/2014/main" id="{AE5EE9AC-A0E4-454F-EC4F-71A137A97EEE}"/>
               </a:ext>
             </a:extLst>
           </p:cNvPr>
@@ -3105,7 +4094,7 @@
           <p:cNvPr id="3" name="コンテンツ プレースホルダー 2">
             <a:extLst>
               <a:ext uri="{FF2B5EF4-FFF2-40B4-BE49-F238E27FC236}">
-                <a16:creationId xmlns:a16="http://schemas.microsoft.com/office/drawing/2014/main" id="{6744919A-0A09-E6A9-073E-9D6D6C9AF8E5}"/>
+                <a16:creationId xmlns="" xmlns:a16="http://schemas.microsoft.com/office/drawing/2014/main" id="{6744919A-0A09-E6A9-073E-9D6D6C9AF8E5}"/>
               </a:ext>
             </a:extLst>
           </p:cNvPr>
@@ -3227,7 +4216,7 @@
           <p:cNvPr id="4" name="テキスト プレースホルダー 3">
             <a:extLst>
               <a:ext uri="{FF2B5EF4-FFF2-40B4-BE49-F238E27FC236}">
-                <a16:creationId xmlns:a16="http://schemas.microsoft.com/office/drawing/2014/main" id="{E0B3E8EF-E342-038D-E9B6-682090394A7F}"/>
+                <a16:creationId xmlns="" xmlns:a16="http://schemas.microsoft.com/office/drawing/2014/main" id="{E0B3E8EF-E342-038D-E9B6-682090394A7F}"/>
               </a:ext>
             </a:extLst>
           </p:cNvPr>
@@ -3298,7 +4287,7 @@
           <p:cNvPr id="5" name="日付プレースホルダー 4">
             <a:extLst>
               <a:ext uri="{FF2B5EF4-FFF2-40B4-BE49-F238E27FC236}">
-                <a16:creationId xmlns:a16="http://schemas.microsoft.com/office/drawing/2014/main" id="{45669A82-F757-B3A6-3A58-695E53DE101B}"/>
+                <a16:creationId xmlns="" xmlns:a16="http://schemas.microsoft.com/office/drawing/2014/main" id="{45669A82-F757-B3A6-3A58-695E53DE101B}"/>
               </a:ext>
             </a:extLst>
           </p:cNvPr>
@@ -3316,7 +4305,7 @@
           <a:p>
             <a:fld id="{F4376828-AD00-473C-A078-1199530D653E}" type="datetimeFigureOut">
               <a:rPr kumimoji="1" lang="ja-JP" altLang="en-US" smtClean="0"/>
-              <a:t>2024/4/17</a:t>
+              <a:t>2024/5/12</a:t>
             </a:fld>
             <a:endParaRPr kumimoji="1" lang="ja-JP" altLang="en-US"/>
           </a:p>
@@ -3327,7 +4316,7 @@
           <p:cNvPr id="6" name="フッター プレースホルダー 5">
             <a:extLst>
               <a:ext uri="{FF2B5EF4-FFF2-40B4-BE49-F238E27FC236}">
-                <a16:creationId xmlns:a16="http://schemas.microsoft.com/office/drawing/2014/main" id="{7D817D2C-E71C-97F8-364F-09C18777ED07}"/>
+                <a16:creationId xmlns="" xmlns:a16="http://schemas.microsoft.com/office/drawing/2014/main" id="{7D817D2C-E71C-97F8-364F-09C18777ED07}"/>
               </a:ext>
             </a:extLst>
           </p:cNvPr>
@@ -3352,7 +4341,7 @@
           <p:cNvPr id="7" name="スライド番号プレースホルダー 6">
             <a:extLst>
               <a:ext uri="{FF2B5EF4-FFF2-40B4-BE49-F238E27FC236}">
-                <a16:creationId xmlns:a16="http://schemas.microsoft.com/office/drawing/2014/main" id="{D5EA9AC9-552A-FCD1-C65D-BBBEFC5816C5}"/>
+                <a16:creationId xmlns="" xmlns:a16="http://schemas.microsoft.com/office/drawing/2014/main" id="{D5EA9AC9-552A-FCD1-C65D-BBBEFC5816C5}"/>
               </a:ext>
             </a:extLst>
           </p:cNvPr>
@@ -3411,7 +4400,7 @@
           <p:cNvPr id="2" name="タイトル 1">
             <a:extLst>
               <a:ext uri="{FF2B5EF4-FFF2-40B4-BE49-F238E27FC236}">
-                <a16:creationId xmlns:a16="http://schemas.microsoft.com/office/drawing/2014/main" id="{EFD2D967-A49B-7B95-E0A7-AF104293C7DF}"/>
+                <a16:creationId xmlns="" xmlns:a16="http://schemas.microsoft.com/office/drawing/2014/main" id="{EFD2D967-A49B-7B95-E0A7-AF104293C7DF}"/>
               </a:ext>
             </a:extLst>
           </p:cNvPr>
@@ -3448,7 +4437,7 @@
           <p:cNvPr id="3" name="図プレースホルダー 2">
             <a:extLst>
               <a:ext uri="{FF2B5EF4-FFF2-40B4-BE49-F238E27FC236}">
-                <a16:creationId xmlns:a16="http://schemas.microsoft.com/office/drawing/2014/main" id="{22412F56-FC52-AA2C-8A71-9F60C4CFD49D}"/>
+                <a16:creationId xmlns="" xmlns:a16="http://schemas.microsoft.com/office/drawing/2014/main" id="{22412F56-FC52-AA2C-8A71-9F60C4CFD49D}"/>
               </a:ext>
             </a:extLst>
           </p:cNvPr>
@@ -3515,7 +4504,7 @@
           <p:cNvPr id="4" name="テキスト プレースホルダー 3">
             <a:extLst>
               <a:ext uri="{FF2B5EF4-FFF2-40B4-BE49-F238E27FC236}">
-                <a16:creationId xmlns:a16="http://schemas.microsoft.com/office/drawing/2014/main" id="{79F7748D-EE8A-E269-90B2-D5FEE9558DA5}"/>
+                <a16:creationId xmlns="" xmlns:a16="http://schemas.microsoft.com/office/drawing/2014/main" id="{79F7748D-EE8A-E269-90B2-D5FEE9558DA5}"/>
               </a:ext>
             </a:extLst>
           </p:cNvPr>
@@ -3586,7 +4575,7 @@
           <p:cNvPr id="5" name="日付プレースホルダー 4">
             <a:extLst>
               <a:ext uri="{FF2B5EF4-FFF2-40B4-BE49-F238E27FC236}">
-                <a16:creationId xmlns:a16="http://schemas.microsoft.com/office/drawing/2014/main" id="{4B35C623-56D0-C9E0-D59D-28BB97BE8B5E}"/>
+                <a16:creationId xmlns="" xmlns:a16="http://schemas.microsoft.com/office/drawing/2014/main" id="{4B35C623-56D0-C9E0-D59D-28BB97BE8B5E}"/>
               </a:ext>
             </a:extLst>
           </p:cNvPr>
@@ -3604,7 +4593,7 @@
           <a:p>
             <a:fld id="{F4376828-AD00-473C-A078-1199530D653E}" type="datetimeFigureOut">
               <a:rPr kumimoji="1" lang="ja-JP" altLang="en-US" smtClean="0"/>
-              <a:t>2024/4/17</a:t>
+              <a:t>2024/5/12</a:t>
             </a:fld>
             <a:endParaRPr kumimoji="1" lang="ja-JP" altLang="en-US"/>
           </a:p>
@@ -3615,7 +4604,7 @@
           <p:cNvPr id="6" name="フッター プレースホルダー 5">
             <a:extLst>
               <a:ext uri="{FF2B5EF4-FFF2-40B4-BE49-F238E27FC236}">
-                <a16:creationId xmlns:a16="http://schemas.microsoft.com/office/drawing/2014/main" id="{50E58C04-1590-ECFF-27E7-2C70E00893D5}"/>
+                <a16:creationId xmlns="" xmlns:a16="http://schemas.microsoft.com/office/drawing/2014/main" id="{50E58C04-1590-ECFF-27E7-2C70E00893D5}"/>
               </a:ext>
             </a:extLst>
           </p:cNvPr>
@@ -3640,7 +4629,7 @@
           <p:cNvPr id="7" name="スライド番号プレースホルダー 6">
             <a:extLst>
               <a:ext uri="{FF2B5EF4-FFF2-40B4-BE49-F238E27FC236}">
-                <a16:creationId xmlns:a16="http://schemas.microsoft.com/office/drawing/2014/main" id="{1FD5920A-4563-94C0-2F7B-B660FC3B1F99}"/>
+                <a16:creationId xmlns="" xmlns:a16="http://schemas.microsoft.com/office/drawing/2014/main" id="{1FD5920A-4563-94C0-2F7B-B660FC3B1F99}"/>
               </a:ext>
             </a:extLst>
           </p:cNvPr>
@@ -3704,7 +4693,7 @@
           <p:cNvPr id="2" name="タイトル プレースホルダー 1">
             <a:extLst>
               <a:ext uri="{FF2B5EF4-FFF2-40B4-BE49-F238E27FC236}">
-                <a16:creationId xmlns:a16="http://schemas.microsoft.com/office/drawing/2014/main" id="{45D72495-F6D1-5C6A-1CB9-4A5AAB5AE0A7}"/>
+                <a16:creationId xmlns="" xmlns:a16="http://schemas.microsoft.com/office/drawing/2014/main" id="{45D72495-F6D1-5C6A-1CB9-4A5AAB5AE0A7}"/>
               </a:ext>
             </a:extLst>
           </p:cNvPr>
@@ -3742,7 +4731,7 @@
           <p:cNvPr id="3" name="テキスト プレースホルダー 2">
             <a:extLst>
               <a:ext uri="{FF2B5EF4-FFF2-40B4-BE49-F238E27FC236}">
-                <a16:creationId xmlns:a16="http://schemas.microsoft.com/office/drawing/2014/main" id="{45B0AD22-7285-E3B9-9658-6277B02068FE}"/>
+                <a16:creationId xmlns="" xmlns:a16="http://schemas.microsoft.com/office/drawing/2014/main" id="{45B0AD22-7285-E3B9-9658-6277B02068FE}"/>
               </a:ext>
             </a:extLst>
           </p:cNvPr>
@@ -3841,7 +4830,7 @@
           <p:cNvPr id="4" name="日付プレースホルダー 3">
             <a:extLst>
               <a:ext uri="{FF2B5EF4-FFF2-40B4-BE49-F238E27FC236}">
-                <a16:creationId xmlns:a16="http://schemas.microsoft.com/office/drawing/2014/main" id="{7F0ED566-D6BA-982E-9349-EB8BF9C58F19}"/>
+                <a16:creationId xmlns="" xmlns:a16="http://schemas.microsoft.com/office/drawing/2014/main" id="{7F0ED566-D6BA-982E-9349-EB8BF9C58F19}"/>
               </a:ext>
             </a:extLst>
           </p:cNvPr>
@@ -3877,7 +4866,7 @@
           <a:p>
             <a:fld id="{F4376828-AD00-473C-A078-1199530D653E}" type="datetimeFigureOut">
               <a:rPr kumimoji="1" lang="ja-JP" altLang="en-US" smtClean="0"/>
-              <a:t>2024/4/17</a:t>
+              <a:t>2024/5/12</a:t>
             </a:fld>
             <a:endParaRPr kumimoji="1" lang="ja-JP" altLang="en-US"/>
           </a:p>
@@ -3888,7 +4877,7 @@
           <p:cNvPr id="5" name="フッター プレースホルダー 4">
             <a:extLst>
               <a:ext uri="{FF2B5EF4-FFF2-40B4-BE49-F238E27FC236}">
-                <a16:creationId xmlns:a16="http://schemas.microsoft.com/office/drawing/2014/main" id="{93A64D1D-D22D-8C8F-A0A3-C65151FF5765}"/>
+                <a16:creationId xmlns="" xmlns:a16="http://schemas.microsoft.com/office/drawing/2014/main" id="{93A64D1D-D22D-8C8F-A0A3-C65151FF5765}"/>
               </a:ext>
             </a:extLst>
           </p:cNvPr>
@@ -3931,7 +4920,7 @@
           <p:cNvPr id="6" name="スライド番号プレースホルダー 5">
             <a:extLst>
               <a:ext uri="{FF2B5EF4-FFF2-40B4-BE49-F238E27FC236}">
-                <a16:creationId xmlns:a16="http://schemas.microsoft.com/office/drawing/2014/main" id="{0E3933C9-2A6A-69B3-FCE8-BCEFB30C1121}"/>
+                <a16:creationId xmlns="" xmlns:a16="http://schemas.microsoft.com/office/drawing/2014/main" id="{0E3933C9-2A6A-69B3-FCE8-BCEFB30C1121}"/>
               </a:ext>
             </a:extLst>
           </p:cNvPr>
@@ -4299,7 +5288,7 @@
           <p:cNvPr id="2" name="タイトル 1">
             <a:extLst>
               <a:ext uri="{FF2B5EF4-FFF2-40B4-BE49-F238E27FC236}">
-                <a16:creationId xmlns:a16="http://schemas.microsoft.com/office/drawing/2014/main" id="{B52D6862-9DB9-D388-EF58-49CD3AA565AF}"/>
+                <a16:creationId xmlns="" xmlns:a16="http://schemas.microsoft.com/office/drawing/2014/main" id="{B52D6862-9DB9-D388-EF58-49CD3AA565AF}"/>
               </a:ext>
             </a:extLst>
           </p:cNvPr>
@@ -4327,7 +5316,7 @@
           <p:cNvPr id="3" name="字幕 2">
             <a:extLst>
               <a:ext uri="{FF2B5EF4-FFF2-40B4-BE49-F238E27FC236}">
-                <a16:creationId xmlns:a16="http://schemas.microsoft.com/office/drawing/2014/main" id="{1A550264-25E4-A1CE-F2EF-5D9AF936E11B}"/>
+                <a16:creationId xmlns="" xmlns:a16="http://schemas.microsoft.com/office/drawing/2014/main" id="{1A550264-25E4-A1CE-F2EF-5D9AF936E11B}"/>
               </a:ext>
             </a:extLst>
           </p:cNvPr>
@@ -4351,6 +5340,174 @@
     <p:extLst>
       <p:ext uri="{BB962C8B-B14F-4D97-AF65-F5344CB8AC3E}">
         <p14:creationId xmlns:p14="http://schemas.microsoft.com/office/powerpoint/2010/main" val="3047483573"/>
+      </p:ext>
+    </p:extLst>
+  </p:cSld>
+  <p:clrMapOvr>
+    <a:masterClrMapping/>
+  </p:clrMapOvr>
+</p:sld>
+</file>
+
+<file path=ppt/slides/slide10.xml><?xml version="1.0" encoding="utf-8"?>
+<p:sld xmlns:a="http://schemas.openxmlformats.org/drawingml/2006/main" xmlns:r="http://schemas.openxmlformats.org/officeDocument/2006/relationships" xmlns:p="http://schemas.openxmlformats.org/presentationml/2006/main">
+  <p:cSld>
+    <p:spTree>
+      <p:nvGrpSpPr>
+        <p:cNvPr id="1" name=""/>
+        <p:cNvGrpSpPr/>
+        <p:nvPr/>
+      </p:nvGrpSpPr>
+      <p:grpSpPr>
+        <a:xfrm>
+          <a:off x="0" y="0"/>
+          <a:ext cx="0" cy="0"/>
+          <a:chOff x="0" y="0"/>
+          <a:chExt cx="0" cy="0"/>
+        </a:xfrm>
+      </p:grpSpPr>
+      <p:sp>
+        <p:nvSpPr>
+          <p:cNvPr id="2" name="タイトル 1">
+            <a:extLst>
+              <a:ext uri="{FF2B5EF4-FFF2-40B4-BE49-F238E27FC236}">
+                <a16:creationId xmlns="" xmlns:a16="http://schemas.microsoft.com/office/drawing/2014/main" id="{B52D6862-9DB9-D388-EF58-49CD3AA565AF}"/>
+              </a:ext>
+            </a:extLst>
+          </p:cNvPr>
+          <p:cNvSpPr>
+            <a:spLocks noGrp="1"/>
+          </p:cNvSpPr>
+          <p:nvPr>
+            <p:ph type="ctrTitle"/>
+          </p:nvPr>
+        </p:nvSpPr>
+        <p:spPr/>
+        <p:txBody>
+          <a:bodyPr/>
+          <a:lstStyle/>
+          <a:p>
+            <a:r>
+              <a:rPr kumimoji="1" lang="ja-JP" altLang="en-US" dirty="0" smtClean="0"/>
+              <a:t>スライド１０</a:t>
+            </a:r>
+            <a:endParaRPr kumimoji="1" lang="ja-JP" altLang="en-US" dirty="0"/>
+          </a:p>
+        </p:txBody>
+      </p:sp>
+      <p:sp>
+        <p:nvSpPr>
+          <p:cNvPr id="3" name="字幕 2">
+            <a:extLst>
+              <a:ext uri="{FF2B5EF4-FFF2-40B4-BE49-F238E27FC236}">
+                <a16:creationId xmlns="" xmlns:a16="http://schemas.microsoft.com/office/drawing/2014/main" id="{1A550264-25E4-A1CE-F2EF-5D9AF936E11B}"/>
+              </a:ext>
+            </a:extLst>
+          </p:cNvPr>
+          <p:cNvSpPr>
+            <a:spLocks noGrp="1"/>
+          </p:cNvSpPr>
+          <p:nvPr>
+            <p:ph type="subTitle" idx="1"/>
+          </p:nvPr>
+        </p:nvSpPr>
+        <p:spPr/>
+        <p:txBody>
+          <a:bodyPr/>
+          <a:lstStyle/>
+          <a:p>
+            <a:endParaRPr kumimoji="1" lang="ja-JP" altLang="en-US"/>
+          </a:p>
+        </p:txBody>
+      </p:sp>
+    </p:spTree>
+    <p:extLst>
+      <p:ext uri="{BB962C8B-B14F-4D97-AF65-F5344CB8AC3E}">
+        <p14:creationId xmlns:p14="http://schemas.microsoft.com/office/powerpoint/2010/main" val="19708983"/>
+      </p:ext>
+    </p:extLst>
+  </p:cSld>
+  <p:clrMapOvr>
+    <a:masterClrMapping/>
+  </p:clrMapOvr>
+</p:sld>
+</file>
+
+<file path=ppt/slides/slide11.xml><?xml version="1.0" encoding="utf-8"?>
+<p:sld xmlns:a="http://schemas.openxmlformats.org/drawingml/2006/main" xmlns:r="http://schemas.openxmlformats.org/officeDocument/2006/relationships" xmlns:p="http://schemas.openxmlformats.org/presentationml/2006/main">
+  <p:cSld>
+    <p:spTree>
+      <p:nvGrpSpPr>
+        <p:cNvPr id="1" name=""/>
+        <p:cNvGrpSpPr/>
+        <p:nvPr/>
+      </p:nvGrpSpPr>
+      <p:grpSpPr>
+        <a:xfrm>
+          <a:off x="0" y="0"/>
+          <a:ext cx="0" cy="0"/>
+          <a:chOff x="0" y="0"/>
+          <a:chExt cx="0" cy="0"/>
+        </a:xfrm>
+      </p:grpSpPr>
+      <p:sp>
+        <p:nvSpPr>
+          <p:cNvPr id="2" name="タイトル 1">
+            <a:extLst>
+              <a:ext uri="{FF2B5EF4-FFF2-40B4-BE49-F238E27FC236}">
+                <a16:creationId xmlns="" xmlns:a16="http://schemas.microsoft.com/office/drawing/2014/main" id="{B52D6862-9DB9-D388-EF58-49CD3AA565AF}"/>
+              </a:ext>
+            </a:extLst>
+          </p:cNvPr>
+          <p:cNvSpPr>
+            <a:spLocks noGrp="1"/>
+          </p:cNvSpPr>
+          <p:nvPr>
+            <p:ph type="ctrTitle"/>
+          </p:nvPr>
+        </p:nvSpPr>
+        <p:spPr/>
+        <p:txBody>
+          <a:bodyPr/>
+          <a:lstStyle/>
+          <a:p>
+            <a:r>
+              <a:rPr kumimoji="1" lang="ja-JP" altLang="en-US" dirty="0" smtClean="0"/>
+              <a:t>スライド１１</a:t>
+            </a:r>
+            <a:endParaRPr kumimoji="1" lang="ja-JP" altLang="en-US" dirty="0"/>
+          </a:p>
+        </p:txBody>
+      </p:sp>
+      <p:sp>
+        <p:nvSpPr>
+          <p:cNvPr id="3" name="字幕 2">
+            <a:extLst>
+              <a:ext uri="{FF2B5EF4-FFF2-40B4-BE49-F238E27FC236}">
+                <a16:creationId xmlns="" xmlns:a16="http://schemas.microsoft.com/office/drawing/2014/main" id="{1A550264-25E4-A1CE-F2EF-5D9AF936E11B}"/>
+              </a:ext>
+            </a:extLst>
+          </p:cNvPr>
+          <p:cNvSpPr>
+            <a:spLocks noGrp="1"/>
+          </p:cNvSpPr>
+          <p:nvPr>
+            <p:ph type="subTitle" idx="1"/>
+          </p:nvPr>
+        </p:nvSpPr>
+        <p:spPr/>
+        <p:txBody>
+          <a:bodyPr/>
+          <a:lstStyle/>
+          <a:p>
+            <a:endParaRPr kumimoji="1" lang="ja-JP" altLang="en-US"/>
+          </a:p>
+        </p:txBody>
+      </p:sp>
+    </p:spTree>
+    <p:extLst>
+      <p:ext uri="{BB962C8B-B14F-4D97-AF65-F5344CB8AC3E}">
+        <p14:creationId xmlns:p14="http://schemas.microsoft.com/office/powerpoint/2010/main" val="1419170078"/>
       </p:ext>
     </p:extLst>
   </p:cSld>
@@ -4382,7 +5539,7 @@
           <p:cNvPr id="2" name="タイトル 1">
             <a:extLst>
               <a:ext uri="{FF2B5EF4-FFF2-40B4-BE49-F238E27FC236}">
-                <a16:creationId xmlns:a16="http://schemas.microsoft.com/office/drawing/2014/main" id="{B52D6862-9DB9-D388-EF58-49CD3AA565AF}"/>
+                <a16:creationId xmlns="" xmlns:a16="http://schemas.microsoft.com/office/drawing/2014/main" id="{B52D6862-9DB9-D388-EF58-49CD3AA565AF}"/>
               </a:ext>
             </a:extLst>
           </p:cNvPr>
@@ -4410,7 +5567,7 @@
           <p:cNvPr id="3" name="字幕 2">
             <a:extLst>
               <a:ext uri="{FF2B5EF4-FFF2-40B4-BE49-F238E27FC236}">
-                <a16:creationId xmlns:a16="http://schemas.microsoft.com/office/drawing/2014/main" id="{1A550264-25E4-A1CE-F2EF-5D9AF936E11B}"/>
+                <a16:creationId xmlns="" xmlns:a16="http://schemas.microsoft.com/office/drawing/2014/main" id="{1A550264-25E4-A1CE-F2EF-5D9AF936E11B}"/>
               </a:ext>
             </a:extLst>
           </p:cNvPr>
@@ -4465,7 +5622,7 @@
           <p:cNvPr id="2" name="タイトル 1">
             <a:extLst>
               <a:ext uri="{FF2B5EF4-FFF2-40B4-BE49-F238E27FC236}">
-                <a16:creationId xmlns:a16="http://schemas.microsoft.com/office/drawing/2014/main" id="{B52D6862-9DB9-D388-EF58-49CD3AA565AF}"/>
+                <a16:creationId xmlns="" xmlns:a16="http://schemas.microsoft.com/office/drawing/2014/main" id="{B52D6862-9DB9-D388-EF58-49CD3AA565AF}"/>
               </a:ext>
             </a:extLst>
           </p:cNvPr>
@@ -4493,7 +5650,7 @@
           <p:cNvPr id="3" name="字幕 2">
             <a:extLst>
               <a:ext uri="{FF2B5EF4-FFF2-40B4-BE49-F238E27FC236}">
-                <a16:creationId xmlns:a16="http://schemas.microsoft.com/office/drawing/2014/main" id="{1A550264-25E4-A1CE-F2EF-5D9AF936E11B}"/>
+                <a16:creationId xmlns="" xmlns:a16="http://schemas.microsoft.com/office/drawing/2014/main" id="{1A550264-25E4-A1CE-F2EF-5D9AF936E11B}"/>
               </a:ext>
             </a:extLst>
           </p:cNvPr>
@@ -4517,6 +5674,510 @@
     <p:extLst>
       <p:ext uri="{BB962C8B-B14F-4D97-AF65-F5344CB8AC3E}">
         <p14:creationId xmlns:p14="http://schemas.microsoft.com/office/powerpoint/2010/main" val="4044611510"/>
+      </p:ext>
+    </p:extLst>
+  </p:cSld>
+  <p:clrMapOvr>
+    <a:masterClrMapping/>
+  </p:clrMapOvr>
+</p:sld>
+</file>
+
+<file path=ppt/slides/slide4.xml><?xml version="1.0" encoding="utf-8"?>
+<p:sld xmlns:a="http://schemas.openxmlformats.org/drawingml/2006/main" xmlns:r="http://schemas.openxmlformats.org/officeDocument/2006/relationships" xmlns:p="http://schemas.openxmlformats.org/presentationml/2006/main">
+  <p:cSld>
+    <p:spTree>
+      <p:nvGrpSpPr>
+        <p:cNvPr id="1" name=""/>
+        <p:cNvGrpSpPr/>
+        <p:nvPr/>
+      </p:nvGrpSpPr>
+      <p:grpSpPr>
+        <a:xfrm>
+          <a:off x="0" y="0"/>
+          <a:ext cx="0" cy="0"/>
+          <a:chOff x="0" y="0"/>
+          <a:chExt cx="0" cy="0"/>
+        </a:xfrm>
+      </p:grpSpPr>
+      <p:sp>
+        <p:nvSpPr>
+          <p:cNvPr id="2" name="タイトル 1">
+            <a:extLst>
+              <a:ext uri="{FF2B5EF4-FFF2-40B4-BE49-F238E27FC236}">
+                <a16:creationId xmlns="" xmlns:a16="http://schemas.microsoft.com/office/drawing/2014/main" id="{B52D6862-9DB9-D388-EF58-49CD3AA565AF}"/>
+              </a:ext>
+            </a:extLst>
+          </p:cNvPr>
+          <p:cNvSpPr>
+            <a:spLocks noGrp="1"/>
+          </p:cNvSpPr>
+          <p:nvPr>
+            <p:ph type="ctrTitle"/>
+          </p:nvPr>
+        </p:nvSpPr>
+        <p:spPr/>
+        <p:txBody>
+          <a:bodyPr/>
+          <a:lstStyle/>
+          <a:p>
+            <a:r>
+              <a:rPr kumimoji="1" lang="ja-JP" altLang="en-US" dirty="0" smtClean="0"/>
+              <a:t>スライド４</a:t>
+            </a:r>
+            <a:endParaRPr kumimoji="1" lang="ja-JP" altLang="en-US" dirty="0"/>
+          </a:p>
+        </p:txBody>
+      </p:sp>
+      <p:sp>
+        <p:nvSpPr>
+          <p:cNvPr id="3" name="字幕 2">
+            <a:extLst>
+              <a:ext uri="{FF2B5EF4-FFF2-40B4-BE49-F238E27FC236}">
+                <a16:creationId xmlns="" xmlns:a16="http://schemas.microsoft.com/office/drawing/2014/main" id="{1A550264-25E4-A1CE-F2EF-5D9AF936E11B}"/>
+              </a:ext>
+            </a:extLst>
+          </p:cNvPr>
+          <p:cNvSpPr>
+            <a:spLocks noGrp="1"/>
+          </p:cNvSpPr>
+          <p:nvPr>
+            <p:ph type="subTitle" idx="1"/>
+          </p:nvPr>
+        </p:nvSpPr>
+        <p:spPr/>
+        <p:txBody>
+          <a:bodyPr/>
+          <a:lstStyle/>
+          <a:p>
+            <a:endParaRPr kumimoji="1" lang="ja-JP" altLang="en-US"/>
+          </a:p>
+        </p:txBody>
+      </p:sp>
+    </p:spTree>
+    <p:extLst>
+      <p:ext uri="{BB962C8B-B14F-4D97-AF65-F5344CB8AC3E}">
+        <p14:creationId xmlns:p14="http://schemas.microsoft.com/office/powerpoint/2010/main" val="2691063697"/>
+      </p:ext>
+    </p:extLst>
+  </p:cSld>
+  <p:clrMapOvr>
+    <a:masterClrMapping/>
+  </p:clrMapOvr>
+</p:sld>
+</file>
+
+<file path=ppt/slides/slide5.xml><?xml version="1.0" encoding="utf-8"?>
+<p:sld xmlns:a="http://schemas.openxmlformats.org/drawingml/2006/main" xmlns:r="http://schemas.openxmlformats.org/officeDocument/2006/relationships" xmlns:p="http://schemas.openxmlformats.org/presentationml/2006/main">
+  <p:cSld>
+    <p:spTree>
+      <p:nvGrpSpPr>
+        <p:cNvPr id="1" name=""/>
+        <p:cNvGrpSpPr/>
+        <p:nvPr/>
+      </p:nvGrpSpPr>
+      <p:grpSpPr>
+        <a:xfrm>
+          <a:off x="0" y="0"/>
+          <a:ext cx="0" cy="0"/>
+          <a:chOff x="0" y="0"/>
+          <a:chExt cx="0" cy="0"/>
+        </a:xfrm>
+      </p:grpSpPr>
+      <p:sp>
+        <p:nvSpPr>
+          <p:cNvPr id="2" name="タイトル 1">
+            <a:extLst>
+              <a:ext uri="{FF2B5EF4-FFF2-40B4-BE49-F238E27FC236}">
+                <a16:creationId xmlns="" xmlns:a16="http://schemas.microsoft.com/office/drawing/2014/main" id="{B52D6862-9DB9-D388-EF58-49CD3AA565AF}"/>
+              </a:ext>
+            </a:extLst>
+          </p:cNvPr>
+          <p:cNvSpPr>
+            <a:spLocks noGrp="1"/>
+          </p:cNvSpPr>
+          <p:nvPr>
+            <p:ph type="ctrTitle"/>
+          </p:nvPr>
+        </p:nvSpPr>
+        <p:spPr/>
+        <p:txBody>
+          <a:bodyPr/>
+          <a:lstStyle/>
+          <a:p>
+            <a:r>
+              <a:rPr kumimoji="1" lang="ja-JP" altLang="en-US" dirty="0" smtClean="0"/>
+              <a:t>スライド５</a:t>
+            </a:r>
+            <a:endParaRPr kumimoji="1" lang="ja-JP" altLang="en-US" dirty="0"/>
+          </a:p>
+        </p:txBody>
+      </p:sp>
+      <p:sp>
+        <p:nvSpPr>
+          <p:cNvPr id="3" name="字幕 2">
+            <a:extLst>
+              <a:ext uri="{FF2B5EF4-FFF2-40B4-BE49-F238E27FC236}">
+                <a16:creationId xmlns="" xmlns:a16="http://schemas.microsoft.com/office/drawing/2014/main" id="{1A550264-25E4-A1CE-F2EF-5D9AF936E11B}"/>
+              </a:ext>
+            </a:extLst>
+          </p:cNvPr>
+          <p:cNvSpPr>
+            <a:spLocks noGrp="1"/>
+          </p:cNvSpPr>
+          <p:nvPr>
+            <p:ph type="subTitle" idx="1"/>
+          </p:nvPr>
+        </p:nvSpPr>
+        <p:spPr/>
+        <p:txBody>
+          <a:bodyPr/>
+          <a:lstStyle/>
+          <a:p>
+            <a:endParaRPr kumimoji="1" lang="ja-JP" altLang="en-US"/>
+          </a:p>
+        </p:txBody>
+      </p:sp>
+    </p:spTree>
+    <p:extLst>
+      <p:ext uri="{BB962C8B-B14F-4D97-AF65-F5344CB8AC3E}">
+        <p14:creationId xmlns:p14="http://schemas.microsoft.com/office/powerpoint/2010/main" val="3558724544"/>
+      </p:ext>
+    </p:extLst>
+  </p:cSld>
+  <p:clrMapOvr>
+    <a:masterClrMapping/>
+  </p:clrMapOvr>
+</p:sld>
+</file>
+
+<file path=ppt/slides/slide6.xml><?xml version="1.0" encoding="utf-8"?>
+<p:sld xmlns:a="http://schemas.openxmlformats.org/drawingml/2006/main" xmlns:r="http://schemas.openxmlformats.org/officeDocument/2006/relationships" xmlns:p="http://schemas.openxmlformats.org/presentationml/2006/main">
+  <p:cSld>
+    <p:spTree>
+      <p:nvGrpSpPr>
+        <p:cNvPr id="1" name=""/>
+        <p:cNvGrpSpPr/>
+        <p:nvPr/>
+      </p:nvGrpSpPr>
+      <p:grpSpPr>
+        <a:xfrm>
+          <a:off x="0" y="0"/>
+          <a:ext cx="0" cy="0"/>
+          <a:chOff x="0" y="0"/>
+          <a:chExt cx="0" cy="0"/>
+        </a:xfrm>
+      </p:grpSpPr>
+      <p:sp>
+        <p:nvSpPr>
+          <p:cNvPr id="2" name="タイトル 1">
+            <a:extLst>
+              <a:ext uri="{FF2B5EF4-FFF2-40B4-BE49-F238E27FC236}">
+                <a16:creationId xmlns="" xmlns:a16="http://schemas.microsoft.com/office/drawing/2014/main" id="{B52D6862-9DB9-D388-EF58-49CD3AA565AF}"/>
+              </a:ext>
+            </a:extLst>
+          </p:cNvPr>
+          <p:cNvSpPr>
+            <a:spLocks noGrp="1"/>
+          </p:cNvSpPr>
+          <p:nvPr>
+            <p:ph type="ctrTitle"/>
+          </p:nvPr>
+        </p:nvSpPr>
+        <p:spPr/>
+        <p:txBody>
+          <a:bodyPr/>
+          <a:lstStyle/>
+          <a:p>
+            <a:r>
+              <a:rPr kumimoji="1" lang="ja-JP" altLang="en-US" dirty="0" smtClean="0"/>
+              <a:t>スライド６</a:t>
+            </a:r>
+            <a:endParaRPr kumimoji="1" lang="ja-JP" altLang="en-US" dirty="0"/>
+          </a:p>
+        </p:txBody>
+      </p:sp>
+      <p:sp>
+        <p:nvSpPr>
+          <p:cNvPr id="3" name="字幕 2">
+            <a:extLst>
+              <a:ext uri="{FF2B5EF4-FFF2-40B4-BE49-F238E27FC236}">
+                <a16:creationId xmlns="" xmlns:a16="http://schemas.microsoft.com/office/drawing/2014/main" id="{1A550264-25E4-A1CE-F2EF-5D9AF936E11B}"/>
+              </a:ext>
+            </a:extLst>
+          </p:cNvPr>
+          <p:cNvSpPr>
+            <a:spLocks noGrp="1"/>
+          </p:cNvSpPr>
+          <p:nvPr>
+            <p:ph type="subTitle" idx="1"/>
+          </p:nvPr>
+        </p:nvSpPr>
+        <p:spPr/>
+        <p:txBody>
+          <a:bodyPr/>
+          <a:lstStyle/>
+          <a:p>
+            <a:endParaRPr kumimoji="1" lang="ja-JP" altLang="en-US"/>
+          </a:p>
+        </p:txBody>
+      </p:sp>
+    </p:spTree>
+    <p:extLst>
+      <p:ext uri="{BB962C8B-B14F-4D97-AF65-F5344CB8AC3E}">
+        <p14:creationId xmlns:p14="http://schemas.microsoft.com/office/powerpoint/2010/main" val="282915484"/>
+      </p:ext>
+    </p:extLst>
+  </p:cSld>
+  <p:clrMapOvr>
+    <a:masterClrMapping/>
+  </p:clrMapOvr>
+</p:sld>
+</file>
+
+<file path=ppt/slides/slide7.xml><?xml version="1.0" encoding="utf-8"?>
+<p:sld xmlns:a="http://schemas.openxmlformats.org/drawingml/2006/main" xmlns:r="http://schemas.openxmlformats.org/officeDocument/2006/relationships" xmlns:p="http://schemas.openxmlformats.org/presentationml/2006/main">
+  <p:cSld>
+    <p:spTree>
+      <p:nvGrpSpPr>
+        <p:cNvPr id="1" name=""/>
+        <p:cNvGrpSpPr/>
+        <p:nvPr/>
+      </p:nvGrpSpPr>
+      <p:grpSpPr>
+        <a:xfrm>
+          <a:off x="0" y="0"/>
+          <a:ext cx="0" cy="0"/>
+          <a:chOff x="0" y="0"/>
+          <a:chExt cx="0" cy="0"/>
+        </a:xfrm>
+      </p:grpSpPr>
+      <p:sp>
+        <p:nvSpPr>
+          <p:cNvPr id="2" name="タイトル 1">
+            <a:extLst>
+              <a:ext uri="{FF2B5EF4-FFF2-40B4-BE49-F238E27FC236}">
+                <a16:creationId xmlns="" xmlns:a16="http://schemas.microsoft.com/office/drawing/2014/main" id="{B52D6862-9DB9-D388-EF58-49CD3AA565AF}"/>
+              </a:ext>
+            </a:extLst>
+          </p:cNvPr>
+          <p:cNvSpPr>
+            <a:spLocks noGrp="1"/>
+          </p:cNvSpPr>
+          <p:nvPr>
+            <p:ph type="ctrTitle"/>
+          </p:nvPr>
+        </p:nvSpPr>
+        <p:spPr/>
+        <p:txBody>
+          <a:bodyPr/>
+          <a:lstStyle/>
+          <a:p>
+            <a:r>
+              <a:rPr kumimoji="1" lang="ja-JP" altLang="en-US" dirty="0" smtClean="0"/>
+              <a:t>スライド７</a:t>
+            </a:r>
+            <a:endParaRPr kumimoji="1" lang="ja-JP" altLang="en-US" dirty="0"/>
+          </a:p>
+        </p:txBody>
+      </p:sp>
+      <p:sp>
+        <p:nvSpPr>
+          <p:cNvPr id="3" name="字幕 2">
+            <a:extLst>
+              <a:ext uri="{FF2B5EF4-FFF2-40B4-BE49-F238E27FC236}">
+                <a16:creationId xmlns="" xmlns:a16="http://schemas.microsoft.com/office/drawing/2014/main" id="{1A550264-25E4-A1CE-F2EF-5D9AF936E11B}"/>
+              </a:ext>
+            </a:extLst>
+          </p:cNvPr>
+          <p:cNvSpPr>
+            <a:spLocks noGrp="1"/>
+          </p:cNvSpPr>
+          <p:nvPr>
+            <p:ph type="subTitle" idx="1"/>
+          </p:nvPr>
+        </p:nvSpPr>
+        <p:spPr/>
+        <p:txBody>
+          <a:bodyPr/>
+          <a:lstStyle/>
+          <a:p>
+            <a:endParaRPr kumimoji="1" lang="ja-JP" altLang="en-US"/>
+          </a:p>
+        </p:txBody>
+      </p:sp>
+    </p:spTree>
+    <p:extLst>
+      <p:ext uri="{BB962C8B-B14F-4D97-AF65-F5344CB8AC3E}">
+        <p14:creationId xmlns:p14="http://schemas.microsoft.com/office/powerpoint/2010/main" val="2179478596"/>
+      </p:ext>
+    </p:extLst>
+  </p:cSld>
+  <p:clrMapOvr>
+    <a:masterClrMapping/>
+  </p:clrMapOvr>
+</p:sld>
+</file>
+
+<file path=ppt/slides/slide8.xml><?xml version="1.0" encoding="utf-8"?>
+<p:sld xmlns:a="http://schemas.openxmlformats.org/drawingml/2006/main" xmlns:r="http://schemas.openxmlformats.org/officeDocument/2006/relationships" xmlns:p="http://schemas.openxmlformats.org/presentationml/2006/main">
+  <p:cSld>
+    <p:spTree>
+      <p:nvGrpSpPr>
+        <p:cNvPr id="1" name=""/>
+        <p:cNvGrpSpPr/>
+        <p:nvPr/>
+      </p:nvGrpSpPr>
+      <p:grpSpPr>
+        <a:xfrm>
+          <a:off x="0" y="0"/>
+          <a:ext cx="0" cy="0"/>
+          <a:chOff x="0" y="0"/>
+          <a:chExt cx="0" cy="0"/>
+        </a:xfrm>
+      </p:grpSpPr>
+      <p:sp>
+        <p:nvSpPr>
+          <p:cNvPr id="2" name="タイトル 1">
+            <a:extLst>
+              <a:ext uri="{FF2B5EF4-FFF2-40B4-BE49-F238E27FC236}">
+                <a16:creationId xmlns="" xmlns:a16="http://schemas.microsoft.com/office/drawing/2014/main" id="{B52D6862-9DB9-D388-EF58-49CD3AA565AF}"/>
+              </a:ext>
+            </a:extLst>
+          </p:cNvPr>
+          <p:cNvSpPr>
+            <a:spLocks noGrp="1"/>
+          </p:cNvSpPr>
+          <p:nvPr>
+            <p:ph type="ctrTitle"/>
+          </p:nvPr>
+        </p:nvSpPr>
+        <p:spPr/>
+        <p:txBody>
+          <a:bodyPr/>
+          <a:lstStyle/>
+          <a:p>
+            <a:r>
+              <a:rPr kumimoji="1" lang="ja-JP" altLang="en-US" dirty="0" smtClean="0"/>
+              <a:t>スライド８</a:t>
+            </a:r>
+            <a:endParaRPr kumimoji="1" lang="ja-JP" altLang="en-US" dirty="0"/>
+          </a:p>
+        </p:txBody>
+      </p:sp>
+      <p:sp>
+        <p:nvSpPr>
+          <p:cNvPr id="3" name="字幕 2">
+            <a:extLst>
+              <a:ext uri="{FF2B5EF4-FFF2-40B4-BE49-F238E27FC236}">
+                <a16:creationId xmlns="" xmlns:a16="http://schemas.microsoft.com/office/drawing/2014/main" id="{1A550264-25E4-A1CE-F2EF-5D9AF936E11B}"/>
+              </a:ext>
+            </a:extLst>
+          </p:cNvPr>
+          <p:cNvSpPr>
+            <a:spLocks noGrp="1"/>
+          </p:cNvSpPr>
+          <p:nvPr>
+            <p:ph type="subTitle" idx="1"/>
+          </p:nvPr>
+        </p:nvSpPr>
+        <p:spPr/>
+        <p:txBody>
+          <a:bodyPr/>
+          <a:lstStyle/>
+          <a:p>
+            <a:endParaRPr kumimoji="1" lang="ja-JP" altLang="en-US"/>
+          </a:p>
+        </p:txBody>
+      </p:sp>
+    </p:spTree>
+    <p:extLst>
+      <p:ext uri="{BB962C8B-B14F-4D97-AF65-F5344CB8AC3E}">
+        <p14:creationId xmlns:p14="http://schemas.microsoft.com/office/powerpoint/2010/main" val="3914868211"/>
+      </p:ext>
+    </p:extLst>
+  </p:cSld>
+  <p:clrMapOvr>
+    <a:masterClrMapping/>
+  </p:clrMapOvr>
+</p:sld>
+</file>
+
+<file path=ppt/slides/slide9.xml><?xml version="1.0" encoding="utf-8"?>
+<p:sld xmlns:a="http://schemas.openxmlformats.org/drawingml/2006/main" xmlns:r="http://schemas.openxmlformats.org/officeDocument/2006/relationships" xmlns:p="http://schemas.openxmlformats.org/presentationml/2006/main">
+  <p:cSld>
+    <p:spTree>
+      <p:nvGrpSpPr>
+        <p:cNvPr id="1" name=""/>
+        <p:cNvGrpSpPr/>
+        <p:nvPr/>
+      </p:nvGrpSpPr>
+      <p:grpSpPr>
+        <a:xfrm>
+          <a:off x="0" y="0"/>
+          <a:ext cx="0" cy="0"/>
+          <a:chOff x="0" y="0"/>
+          <a:chExt cx="0" cy="0"/>
+        </a:xfrm>
+      </p:grpSpPr>
+      <p:sp>
+        <p:nvSpPr>
+          <p:cNvPr id="2" name="タイトル 1">
+            <a:extLst>
+              <a:ext uri="{FF2B5EF4-FFF2-40B4-BE49-F238E27FC236}">
+                <a16:creationId xmlns="" xmlns:a16="http://schemas.microsoft.com/office/drawing/2014/main" id="{B52D6862-9DB9-D388-EF58-49CD3AA565AF}"/>
+              </a:ext>
+            </a:extLst>
+          </p:cNvPr>
+          <p:cNvSpPr>
+            <a:spLocks noGrp="1"/>
+          </p:cNvSpPr>
+          <p:nvPr>
+            <p:ph type="ctrTitle"/>
+          </p:nvPr>
+        </p:nvSpPr>
+        <p:spPr/>
+        <p:txBody>
+          <a:bodyPr/>
+          <a:lstStyle/>
+          <a:p>
+            <a:r>
+              <a:rPr kumimoji="1" lang="ja-JP" altLang="en-US" dirty="0" smtClean="0"/>
+              <a:t>スライド９</a:t>
+            </a:r>
+            <a:endParaRPr kumimoji="1" lang="ja-JP" altLang="en-US" dirty="0"/>
+          </a:p>
+        </p:txBody>
+      </p:sp>
+      <p:sp>
+        <p:nvSpPr>
+          <p:cNvPr id="3" name="字幕 2">
+            <a:extLst>
+              <a:ext uri="{FF2B5EF4-FFF2-40B4-BE49-F238E27FC236}">
+                <a16:creationId xmlns="" xmlns:a16="http://schemas.microsoft.com/office/drawing/2014/main" id="{1A550264-25E4-A1CE-F2EF-5D9AF936E11B}"/>
+              </a:ext>
+            </a:extLst>
+          </p:cNvPr>
+          <p:cNvSpPr>
+            <a:spLocks noGrp="1"/>
+          </p:cNvSpPr>
+          <p:nvPr>
+            <p:ph type="subTitle" idx="1"/>
+          </p:nvPr>
+        </p:nvSpPr>
+        <p:spPr/>
+        <p:txBody>
+          <a:bodyPr/>
+          <a:lstStyle/>
+          <a:p>
+            <a:endParaRPr kumimoji="1" lang="ja-JP" altLang="en-US"/>
+          </a:p>
+        </p:txBody>
+      </p:sp>
+    </p:spTree>
+    <p:extLst>
+      <p:ext uri="{BB962C8B-B14F-4D97-AF65-F5344CB8AC3E}">
+        <p14:creationId xmlns:p14="http://schemas.microsoft.com/office/powerpoint/2010/main" val="3171714637"/>
       </p:ext>
     </p:extLst>
   </p:cSld>
